--- a/SE - L01 - Software and Software Engineering_updated.pptx
+++ b/SE - L01 - Software and Software Engineering_updated.pptx
@@ -5,7 +5,7 @@
     <p:sldMasterId id="2147483648" r:id="rId1"/>
   </p:sldMasterIdLst>
   <p:notesMasterIdLst>
-    <p:notesMasterId r:id="rId17"/>
+    <p:notesMasterId r:id="rId9"/>
   </p:notesMasterIdLst>
   <p:sldIdLst>
     <p:sldId id="256" r:id="rId2"/>
@@ -15,14 +15,6 @@
     <p:sldId id="297" r:id="rId6"/>
     <p:sldId id="314" r:id="rId7"/>
     <p:sldId id="299" r:id="rId8"/>
-    <p:sldId id="300" r:id="rId9"/>
-    <p:sldId id="298" r:id="rId10"/>
-    <p:sldId id="307" r:id="rId11"/>
-    <p:sldId id="308" r:id="rId12"/>
-    <p:sldId id="309" r:id="rId13"/>
-    <p:sldId id="310" r:id="rId14"/>
-    <p:sldId id="312" r:id="rId15"/>
-    <p:sldId id="311" r:id="rId16"/>
   </p:sldIdLst>
   <p:sldSz cx="12192000" cy="6858000"/>
   <p:notesSz cx="6858000" cy="9144000"/>
@@ -371,7 +363,7 @@
             <a:fld id="{31210FD6-79C5-4041-8E7A-89350618D070}" type="datetimeFigureOut">
               <a:rPr lang="en-GB" smtClean="0"/>
               <a:pPr/>
-              <a:t>27/10/2025</a:t>
+              <a:t>08/11/2025</a:t>
             </a:fld>
             <a:endParaRPr lang="en-GB"/>
           </a:p>
@@ -834,176 +826,6 @@
 </p:notes>
 </file>
 
-<file path=ppt/notesSlides/notesSlide3.xml><?xml version="1.0" encoding="utf-8"?>
-<p:notes xmlns:a="http://schemas.openxmlformats.org/drawingml/2006/main" xmlns:r="http://schemas.openxmlformats.org/officeDocument/2006/relationships" xmlns:p="http://schemas.openxmlformats.org/presentationml/2006/main">
-  <p:cSld>
-    <p:spTree>
-      <p:nvGrpSpPr>
-        <p:cNvPr id="1" name=""/>
-        <p:cNvGrpSpPr/>
-        <p:nvPr/>
-      </p:nvGrpSpPr>
-      <p:grpSpPr>
-        <a:xfrm>
-          <a:off x="0" y="0"/>
-          <a:ext cx="0" cy="0"/>
-          <a:chOff x="0" y="0"/>
-          <a:chExt cx="0" cy="0"/>
-        </a:xfrm>
-      </p:grpSpPr>
-      <p:sp>
-        <p:nvSpPr>
-          <p:cNvPr id="2" name="Slide Image Placeholder 1"/>
-          <p:cNvSpPr>
-            <a:spLocks noGrp="1" noRot="1" noChangeAspect="1"/>
-          </p:cNvSpPr>
-          <p:nvPr>
-            <p:ph type="sldImg"/>
-          </p:nvPr>
-        </p:nvSpPr>
-        <p:spPr/>
-      </p:sp>
-      <p:sp>
-        <p:nvSpPr>
-          <p:cNvPr id="3" name="Notes Placeholder 2"/>
-          <p:cNvSpPr>
-            <a:spLocks noGrp="1"/>
-          </p:cNvSpPr>
-          <p:nvPr>
-            <p:ph type="body" idx="1"/>
-          </p:nvPr>
-        </p:nvSpPr>
-        <p:spPr/>
-        <p:txBody>
-          <a:bodyPr/>
-          <a:lstStyle/>
-          <a:p>
-            <a:endParaRPr lang="en-US" dirty="0"/>
-          </a:p>
-        </p:txBody>
-      </p:sp>
-      <p:sp>
-        <p:nvSpPr>
-          <p:cNvPr id="4" name="Slide Number Placeholder 3"/>
-          <p:cNvSpPr>
-            <a:spLocks noGrp="1"/>
-          </p:cNvSpPr>
-          <p:nvPr>
-            <p:ph type="sldNum" sz="quarter" idx="5"/>
-          </p:nvPr>
-        </p:nvSpPr>
-        <p:spPr/>
-        <p:txBody>
-          <a:bodyPr/>
-          <a:lstStyle/>
-          <a:p>
-            <a:fld id="{0E26CA59-B645-4A00-A667-3A942CDB8E2D}" type="slidenum">
-              <a:rPr lang="en-GB" smtClean="0"/>
-              <a:pPr/>
-              <a:t>10</a:t>
-            </a:fld>
-            <a:endParaRPr lang="en-GB"/>
-          </a:p>
-        </p:txBody>
-      </p:sp>
-    </p:spTree>
-    <p:extLst>
-      <p:ext uri="{BB962C8B-B14F-4D97-AF65-F5344CB8AC3E}">
-        <p14:creationId xmlns:p14="http://schemas.microsoft.com/office/powerpoint/2010/main" val="2540795585"/>
-      </p:ext>
-    </p:extLst>
-  </p:cSld>
-  <p:clrMapOvr>
-    <a:masterClrMapping/>
-  </p:clrMapOvr>
-</p:notes>
-</file>
-
-<file path=ppt/notesSlides/notesSlide4.xml><?xml version="1.0" encoding="utf-8"?>
-<p:notes xmlns:a="http://schemas.openxmlformats.org/drawingml/2006/main" xmlns:r="http://schemas.openxmlformats.org/officeDocument/2006/relationships" xmlns:p="http://schemas.openxmlformats.org/presentationml/2006/main">
-  <p:cSld>
-    <p:spTree>
-      <p:nvGrpSpPr>
-        <p:cNvPr id="1" name=""/>
-        <p:cNvGrpSpPr/>
-        <p:nvPr/>
-      </p:nvGrpSpPr>
-      <p:grpSpPr>
-        <a:xfrm>
-          <a:off x="0" y="0"/>
-          <a:ext cx="0" cy="0"/>
-          <a:chOff x="0" y="0"/>
-          <a:chExt cx="0" cy="0"/>
-        </a:xfrm>
-      </p:grpSpPr>
-      <p:sp>
-        <p:nvSpPr>
-          <p:cNvPr id="2" name="Slide Image Placeholder 1"/>
-          <p:cNvSpPr>
-            <a:spLocks noGrp="1" noRot="1" noChangeAspect="1"/>
-          </p:cNvSpPr>
-          <p:nvPr>
-            <p:ph type="sldImg"/>
-          </p:nvPr>
-        </p:nvSpPr>
-        <p:spPr/>
-      </p:sp>
-      <p:sp>
-        <p:nvSpPr>
-          <p:cNvPr id="3" name="Notes Placeholder 2"/>
-          <p:cNvSpPr>
-            <a:spLocks noGrp="1"/>
-          </p:cNvSpPr>
-          <p:nvPr>
-            <p:ph type="body" idx="1"/>
-          </p:nvPr>
-        </p:nvSpPr>
-        <p:spPr/>
-        <p:txBody>
-          <a:bodyPr/>
-          <a:lstStyle/>
-          <a:p>
-            <a:endParaRPr lang="en-US" dirty="0"/>
-          </a:p>
-        </p:txBody>
-      </p:sp>
-      <p:sp>
-        <p:nvSpPr>
-          <p:cNvPr id="4" name="Slide Number Placeholder 3"/>
-          <p:cNvSpPr>
-            <a:spLocks noGrp="1"/>
-          </p:cNvSpPr>
-          <p:nvPr>
-            <p:ph type="sldNum" sz="quarter" idx="5"/>
-          </p:nvPr>
-        </p:nvSpPr>
-        <p:spPr/>
-        <p:txBody>
-          <a:bodyPr/>
-          <a:lstStyle/>
-          <a:p>
-            <a:fld id="{0E26CA59-B645-4A00-A667-3A942CDB8E2D}" type="slidenum">
-              <a:rPr lang="en-GB" smtClean="0"/>
-              <a:pPr/>
-              <a:t>13</a:t>
-            </a:fld>
-            <a:endParaRPr lang="en-GB"/>
-          </a:p>
-        </p:txBody>
-      </p:sp>
-    </p:spTree>
-    <p:extLst>
-      <p:ext uri="{BB962C8B-B14F-4D97-AF65-F5344CB8AC3E}">
-        <p14:creationId xmlns:p14="http://schemas.microsoft.com/office/powerpoint/2010/main" val="1690321361"/>
-      </p:ext>
-    </p:extLst>
-  </p:cSld>
-  <p:clrMapOvr>
-    <a:masterClrMapping/>
-  </p:clrMapOvr>
-</p:notes>
-</file>
-
 <file path=ppt/slideLayouts/slideLayout1.xml><?xml version="1.0" encoding="utf-8"?>
 <p:sldLayout xmlns:a="http://schemas.openxmlformats.org/drawingml/2006/main" xmlns:r="http://schemas.openxmlformats.org/officeDocument/2006/relationships" xmlns:p="http://schemas.openxmlformats.org/presentationml/2006/main" type="title" preserve="1">
   <p:cSld name="Title Slide">
@@ -1250,7 +1072,7 @@
             <a:fld id="{4FFDFDB9-D628-4A18-8BA7-33EF406917E6}" type="datetime1">
               <a:rPr lang="en-US" smtClean="0"/>
               <a:pPr/>
-              <a:t>10/27/2025</a:t>
+              <a:t>11/8/2025</a:t>
             </a:fld>
             <a:endParaRPr lang="en-US" dirty="0"/>
           </a:p>
@@ -1509,7 +1331,7 @@
             <a:fld id="{F5B11AF3-EEF6-43B0-9CB4-662539EFD2B2}" type="datetime1">
               <a:rPr lang="en-US" smtClean="0"/>
               <a:pPr/>
-              <a:t>10/27/2025</a:t>
+              <a:t>11/8/2025</a:t>
             </a:fld>
             <a:endParaRPr lang="en-US" dirty="0"/>
           </a:p>
@@ -1741,7 +1563,7 @@
             <a:fld id="{071272FE-5A2D-492A-8166-5DAA8B18B7EA}" type="datetime1">
               <a:rPr lang="en-US" smtClean="0"/>
               <a:pPr/>
-              <a:t>10/27/2025</a:t>
+              <a:t>11/8/2025</a:t>
             </a:fld>
             <a:endParaRPr lang="en-US" dirty="0"/>
           </a:p>
@@ -1978,7 +1800,7 @@
             <a:fld id="{01DDDB41-4229-47AF-BA03-C191A66FB94C}" type="datetime1">
               <a:rPr lang="en-US" smtClean="0"/>
               <a:pPr/>
-              <a:t>10/27/2025</a:t>
+              <a:t>11/8/2025</a:t>
             </a:fld>
             <a:endParaRPr lang="en-US" dirty="0"/>
           </a:p>
@@ -2289,7 +2111,7 @@
             <a:fld id="{BC08422A-3B8F-4FAB-94E1-75E89E1391CC}" type="datetime1">
               <a:rPr lang="en-US" smtClean="0"/>
               <a:pPr/>
-              <a:t>10/27/2025</a:t>
+              <a:t>11/8/2025</a:t>
             </a:fld>
             <a:endParaRPr lang="en-US" dirty="0"/>
           </a:p>
@@ -2588,7 +2410,7 @@
             <a:fld id="{0E7392D4-64E7-470C-9229-F729BA72710A}" type="datetime1">
               <a:rPr lang="en-US" smtClean="0"/>
               <a:pPr/>
-              <a:t>10/27/2025</a:t>
+              <a:t>11/8/2025</a:t>
             </a:fld>
             <a:endParaRPr lang="en-US" dirty="0"/>
           </a:p>
@@ -3007,7 +2829,7 @@
             <a:fld id="{13ECD79C-F41C-4E95-A4BE-2712B8C4A412}" type="datetime1">
               <a:rPr lang="en-US" smtClean="0"/>
               <a:pPr/>
-              <a:t>10/27/2025</a:t>
+              <a:t>11/8/2025</a:t>
             </a:fld>
             <a:endParaRPr lang="en-US" dirty="0"/>
           </a:p>
@@ -3166,7 +2988,7 @@
             <a:fld id="{D3AAE8F3-6A5D-412D-87FA-D951F64E80C1}" type="datetime1">
               <a:rPr lang="en-US" smtClean="0"/>
               <a:pPr/>
-              <a:t>10/27/2025</a:t>
+              <a:t>11/8/2025</a:t>
             </a:fld>
             <a:endParaRPr lang="en-US" dirty="0"/>
           </a:p>
@@ -3258,7 +3080,7 @@
             <a:fld id="{690F486A-D265-402A-B6CD-5D626FC3EDC7}" type="datetime1">
               <a:rPr lang="en-US" smtClean="0"/>
               <a:pPr/>
-              <a:t>10/27/2025</a:t>
+              <a:t>11/8/2025</a:t>
             </a:fld>
             <a:endParaRPr lang="en-US" dirty="0"/>
           </a:p>
@@ -3633,7 +3455,7 @@
             <a:fld id="{C7416B92-2D29-4309-8FD4-8EC023BBFD61}" type="datetime1">
               <a:rPr lang="en-US" smtClean="0"/>
               <a:pPr/>
-              <a:t>10/27/2025</a:t>
+              <a:t>11/8/2025</a:t>
             </a:fld>
             <a:endParaRPr lang="en-US" dirty="0"/>
           </a:p>
@@ -3919,7 +3741,7 @@
             <a:fld id="{A4484BAD-8657-4978-A2B2-B1BBE7089EFE}" type="datetime1">
               <a:rPr lang="en-US" smtClean="0"/>
               <a:pPr/>
-              <a:t>10/27/2025</a:t>
+              <a:t>11/8/2025</a:t>
             </a:fld>
             <a:endParaRPr lang="en-US" dirty="0"/>
           </a:p>
@@ -4127,7 +3949,7 @@
             <a:fld id="{B46415B1-2572-4F4E-AFA0-B4063C44FA40}" type="datetime1">
               <a:rPr lang="en-US" smtClean="0"/>
               <a:pPr/>
-              <a:t>10/27/2025</a:t>
+              <a:t>11/8/2025</a:t>
             </a:fld>
             <a:endParaRPr lang="en-US" dirty="0"/>
           </a:p>
@@ -5934,13 +5756,20 @@
               </a:rPr>
             </a:br>
             <a:r>
-              <a:rPr lang="en-US" sz="3000" dirty="0">
+              <a:rPr lang="en-US" sz="3000">
                 <a:solidFill>
                   <a:schemeClr val="tx2"/>
                 </a:solidFill>
               </a:rPr>
-              <a:t>software &amp; software engineering</a:t>
-            </a:r>
+              <a:t>Lab task 1</a:t>
+            </a:r>
+          </a:p>
+          <a:p>
+            <a:endParaRPr lang="en-US" sz="3000" dirty="0">
+              <a:solidFill>
+                <a:schemeClr val="tx2"/>
+              </a:solidFill>
+            </a:endParaRPr>
           </a:p>
         </p:txBody>
       </p:sp>
@@ -6262,2234 +6091,6 @@
     <p:extLst>
       <p:ext uri="{BB962C8B-B14F-4D97-AF65-F5344CB8AC3E}">
         <p14:creationId xmlns:p14="http://schemas.microsoft.com/office/powerpoint/2010/main" val="2664565021"/>
-      </p:ext>
-    </p:extLst>
-  </p:cSld>
-  <p:clrMapOvr>
-    <a:masterClrMapping/>
-  </p:clrMapOvr>
-</p:sld>
-</file>
-
-<file path=ppt/slides/slide10.xml><?xml version="1.0" encoding="utf-8"?>
-<p:sld xmlns:a="http://schemas.openxmlformats.org/drawingml/2006/main" xmlns:r="http://schemas.openxmlformats.org/officeDocument/2006/relationships" xmlns:p="http://schemas.openxmlformats.org/presentationml/2006/main">
-  <p:cSld>
-    <p:spTree>
-      <p:nvGrpSpPr>
-        <p:cNvPr id="1" name=""/>
-        <p:cNvGrpSpPr/>
-        <p:nvPr/>
-      </p:nvGrpSpPr>
-      <p:grpSpPr>
-        <a:xfrm>
-          <a:off x="0" y="0"/>
-          <a:ext cx="0" cy="0"/>
-          <a:chOff x="0" y="0"/>
-          <a:chExt cx="0" cy="0"/>
-        </a:xfrm>
-      </p:grpSpPr>
-      <p:sp>
-        <p:nvSpPr>
-          <p:cNvPr id="2" name="Title 1"/>
-          <p:cNvSpPr>
-            <a:spLocks noGrp="1"/>
-          </p:cNvSpPr>
-          <p:nvPr>
-            <p:ph type="title"/>
-          </p:nvPr>
-        </p:nvSpPr>
-        <p:spPr/>
-        <p:txBody>
-          <a:bodyPr/>
-          <a:lstStyle/>
-          <a:p>
-            <a:r>
-              <a:rPr lang="en-GB" dirty="0"/>
-              <a:t>Software application</a:t>
-            </a:r>
-          </a:p>
-        </p:txBody>
-      </p:sp>
-      <p:sp>
-        <p:nvSpPr>
-          <p:cNvPr id="3" name="Content Placeholder 2"/>
-          <p:cNvSpPr>
-            <a:spLocks noGrp="1"/>
-          </p:cNvSpPr>
-          <p:nvPr>
-            <p:ph idx="1"/>
-          </p:nvPr>
-        </p:nvSpPr>
-        <p:spPr>
-          <a:xfrm>
-            <a:off x="712436" y="2103121"/>
-            <a:ext cx="10953310" cy="4310742"/>
-          </a:xfrm>
-        </p:spPr>
-        <p:txBody>
-          <a:bodyPr>
-            <a:normAutofit/>
-          </a:bodyPr>
-          <a:lstStyle/>
-          <a:p>
-            <a:r>
-              <a:rPr lang="en-US" altLang="zh-TW" sz="2200" dirty="0">
-                <a:solidFill>
-                  <a:srgbClr val="C00000"/>
-                </a:solidFill>
-                <a:latin typeface="Bell MT" pitchFamily="18" charset="0"/>
-              </a:rPr>
-              <a:t>   </a:t>
-            </a:r>
-            <a:r>
-              <a:rPr lang="en-US" altLang="zh-TW" sz="2200" dirty="0">
-                <a:solidFill>
-                  <a:srgbClr val="C00000"/>
-                </a:solidFill>
-                <a:latin typeface="+mj-lt"/>
-              </a:rPr>
-              <a:t>System software </a:t>
-            </a:r>
-            <a:r>
-              <a:rPr lang="en-US" altLang="zh-TW" sz="2200" dirty="0">
-                <a:latin typeface="+mj-lt"/>
-              </a:rPr>
-              <a:t>(control computer hardware such as OS)</a:t>
-            </a:r>
-          </a:p>
-          <a:p>
-            <a:r>
-              <a:rPr lang="en-US" altLang="zh-TW" sz="2200" dirty="0">
-                <a:solidFill>
-                  <a:srgbClr val="C00000"/>
-                </a:solidFill>
-                <a:latin typeface="+mj-lt"/>
-              </a:rPr>
-              <a:t>   Business software</a:t>
-            </a:r>
-            <a:r>
-              <a:rPr lang="en-US" altLang="zh-TW" sz="2200" dirty="0">
-                <a:latin typeface="+mj-lt"/>
-              </a:rPr>
-              <a:t> (commercial application for business users [SAP, ERP])</a:t>
-            </a:r>
-          </a:p>
-          <a:p>
-            <a:pPr lvl="8"/>
-            <a:r>
-              <a:rPr lang="en-US" altLang="zh-TW" sz="1600" dirty="0">
-                <a:latin typeface="+mj-lt"/>
-              </a:rPr>
-              <a:t>Systems, Applications, and Products</a:t>
-            </a:r>
-          </a:p>
-          <a:p>
-            <a:pPr lvl="8"/>
-            <a:r>
-              <a:rPr lang="en-US" altLang="zh-TW" sz="1600" dirty="0">
-                <a:latin typeface="+mj-lt"/>
-              </a:rPr>
-              <a:t>Enterprise Resource Planning</a:t>
-            </a:r>
-          </a:p>
-          <a:p>
-            <a:r>
-              <a:rPr lang="en-US" altLang="zh-TW" sz="2200" dirty="0">
-                <a:latin typeface="+mj-lt"/>
-              </a:rPr>
-              <a:t>   </a:t>
-            </a:r>
-            <a:r>
-              <a:rPr lang="en-US" altLang="zh-TW" sz="2200" dirty="0">
-                <a:solidFill>
-                  <a:srgbClr val="C00000"/>
-                </a:solidFill>
-                <a:latin typeface="+mj-lt"/>
-              </a:rPr>
-              <a:t>Engineering and scientific software </a:t>
-            </a:r>
-            <a:r>
-              <a:rPr lang="en-US" altLang="zh-TW" sz="2200" dirty="0">
-                <a:latin typeface="+mj-lt"/>
-              </a:rPr>
-              <a:t>(e.g. statistical analysis-SPSS, </a:t>
-            </a:r>
-            <a:r>
-              <a:rPr lang="en-US" altLang="zh-TW" sz="2200" dirty="0" err="1">
-                <a:latin typeface="+mj-lt"/>
-              </a:rPr>
-              <a:t>Matlab</a:t>
-            </a:r>
-            <a:r>
-              <a:rPr lang="en-US" altLang="zh-TW" sz="2200" dirty="0">
-                <a:latin typeface="+mj-lt"/>
-              </a:rPr>
-              <a:t>)</a:t>
-            </a:r>
-          </a:p>
-          <a:p>
-            <a:r>
-              <a:rPr lang="en-US" altLang="zh-TW" sz="2200" dirty="0">
-                <a:latin typeface="+mj-lt"/>
-              </a:rPr>
-              <a:t>   </a:t>
-            </a:r>
-            <a:r>
-              <a:rPr lang="en-US" altLang="zh-TW" sz="2200" dirty="0">
-                <a:solidFill>
-                  <a:srgbClr val="C00000"/>
-                </a:solidFill>
-                <a:latin typeface="+mj-lt"/>
-              </a:rPr>
-              <a:t>Embedded software </a:t>
-            </a:r>
-            <a:r>
-              <a:rPr lang="en-US" altLang="zh-TW" sz="2200" dirty="0">
-                <a:latin typeface="+mj-lt"/>
-              </a:rPr>
-              <a:t>(e.g. biometric device)</a:t>
-            </a:r>
-          </a:p>
-          <a:p>
-            <a:r>
-              <a:rPr lang="en-US" altLang="zh-TW" sz="2200" dirty="0">
-                <a:latin typeface="+mj-lt"/>
-              </a:rPr>
-              <a:t>   </a:t>
-            </a:r>
-            <a:r>
-              <a:rPr lang="en-US" altLang="zh-TW" sz="2200" dirty="0">
-                <a:solidFill>
-                  <a:srgbClr val="C00000"/>
-                </a:solidFill>
-                <a:latin typeface="+mj-lt"/>
-              </a:rPr>
-              <a:t>Personal computer software </a:t>
-            </a:r>
-            <a:r>
-              <a:rPr lang="en-US" altLang="zh-TW" sz="2200" dirty="0">
-                <a:latin typeface="+mj-lt"/>
-              </a:rPr>
-              <a:t>(e.g. Microsoft Office)</a:t>
-            </a:r>
-          </a:p>
-          <a:p>
-            <a:r>
-              <a:rPr lang="en-US" altLang="zh-TW" sz="2200" dirty="0">
-                <a:latin typeface="+mj-lt"/>
-              </a:rPr>
-              <a:t>   </a:t>
-            </a:r>
-            <a:r>
-              <a:rPr lang="en-US" altLang="zh-TW" sz="2200" dirty="0">
-                <a:solidFill>
-                  <a:srgbClr val="C00000"/>
-                </a:solidFill>
-                <a:latin typeface="+mj-lt"/>
-              </a:rPr>
-              <a:t>Web-based software </a:t>
-            </a:r>
-            <a:r>
-              <a:rPr lang="en-US" altLang="zh-TW" sz="2200" dirty="0">
-                <a:latin typeface="+mj-lt"/>
-              </a:rPr>
-              <a:t>(use over the internet with a browser, e.g. Gmail) </a:t>
-            </a:r>
-          </a:p>
-          <a:p>
-            <a:r>
-              <a:rPr lang="en-US" altLang="zh-TW" sz="2200" dirty="0">
-                <a:latin typeface="+mj-lt"/>
-              </a:rPr>
-              <a:t>   </a:t>
-            </a:r>
-            <a:r>
-              <a:rPr lang="en-US" altLang="zh-TW" sz="2200" dirty="0">
-                <a:solidFill>
-                  <a:srgbClr val="C00000"/>
-                </a:solidFill>
-                <a:latin typeface="+mj-lt"/>
-              </a:rPr>
-              <a:t>Artificial intelligence software </a:t>
-            </a:r>
-            <a:r>
-              <a:rPr lang="en-US" altLang="zh-TW" sz="2200" dirty="0">
-                <a:latin typeface="+mj-lt"/>
-              </a:rPr>
-              <a:t>(e.g. HCI, Google AI)</a:t>
-            </a:r>
-          </a:p>
-          <a:p>
-            <a:pPr>
-              <a:lnSpc>
-                <a:spcPct val="90000"/>
-              </a:lnSpc>
-              <a:buFont typeface="Wingdings" pitchFamily="2" charset="2"/>
-              <a:buChar char="q"/>
-            </a:pPr>
-            <a:endParaRPr lang="en-US" altLang="zh-TW" sz="2200" dirty="0">
-              <a:solidFill>
-                <a:srgbClr val="00B050"/>
-              </a:solidFill>
-              <a:latin typeface="+mj-lt"/>
-              <a:ea typeface="PMingLiU" pitchFamily="18" charset="-120"/>
-            </a:endParaRPr>
-          </a:p>
-        </p:txBody>
-      </p:sp>
-      <p:sp>
-        <p:nvSpPr>
-          <p:cNvPr id="6" name="Slide Number Placeholder 3"/>
-          <p:cNvSpPr txBox="1">
-            <a:spLocks/>
-          </p:cNvSpPr>
-          <p:nvPr/>
-        </p:nvSpPr>
-        <p:spPr>
-          <a:xfrm>
-            <a:off x="11665746" y="587829"/>
-            <a:ext cx="425823" cy="1225165"/>
-          </a:xfrm>
-          <a:prstGeom prst="rect">
-            <a:avLst/>
-          </a:prstGeom>
-        </p:spPr>
-        <p:txBody>
-          <a:bodyPr vert="vert270" lIns="91440" tIns="45720" rIns="91440" bIns="45720" rtlCol="0" anchor="ctr"/>
-          <a:lstStyle/>
-          <a:p>
-            <a:pPr marL="0" marR="0" lvl="0" indent="0" algn="r" defTabSz="457200" rtl="0" eaLnBrk="1" fontAlgn="auto" latinLnBrk="0" hangingPunct="1">
-              <a:lnSpc>
-                <a:spcPct val="100000"/>
-              </a:lnSpc>
-              <a:spcBef>
-                <a:spcPts val="0"/>
-              </a:spcBef>
-              <a:spcAft>
-                <a:spcPts val="0"/>
-              </a:spcAft>
-              <a:buClrTx/>
-              <a:buSzTx/>
-              <a:buFontTx/>
-              <a:buNone/>
-              <a:tabLst/>
-              <a:defRPr/>
-            </a:pPr>
-            <a:r>
-              <a:rPr kumimoji="0" lang="en-US" sz="1400" b="1" i="0" u="none" strike="noStrike" kern="1200" cap="none" spc="0" normalizeH="0" baseline="0" noProof="0" dirty="0">
-                <a:ln>
-                  <a:noFill/>
-                </a:ln>
-                <a:solidFill>
-                  <a:schemeClr val="accent2"/>
-                </a:solidFill>
-                <a:effectLst/>
-                <a:uLnTx/>
-                <a:uFillTx/>
-                <a:latin typeface="+mn-lt"/>
-                <a:ea typeface="+mn-ea"/>
-                <a:cs typeface="+mn-cs"/>
-              </a:rPr>
-              <a:t>Slide - 10</a:t>
-            </a:r>
-          </a:p>
-        </p:txBody>
-      </p:sp>
-      <p:sp>
-        <p:nvSpPr>
-          <p:cNvPr id="4" name="Content Placeholder 2">
-            <a:extLst>
-              <a:ext uri="{FF2B5EF4-FFF2-40B4-BE49-F238E27FC236}">
-                <a16:creationId xmlns:a16="http://schemas.microsoft.com/office/drawing/2014/main" id="{F6A708E2-E46B-4881-38E6-B24187D0FB1B}"/>
-              </a:ext>
-            </a:extLst>
-          </p:cNvPr>
-          <p:cNvSpPr txBox="1">
-            <a:spLocks/>
-          </p:cNvSpPr>
-          <p:nvPr/>
-        </p:nvSpPr>
-        <p:spPr>
-          <a:xfrm>
-            <a:off x="11551428" y="6582157"/>
-            <a:ext cx="640572" cy="275843"/>
-          </a:xfrm>
-          <a:prstGeom prst="rect">
-            <a:avLst/>
-          </a:prstGeom>
-        </p:spPr>
-        <p:txBody>
-          <a:bodyPr vert="horz" lIns="91440" tIns="45720" rIns="91440" bIns="45720" rtlCol="0" anchor="ctr">
-            <a:normAutofit fontScale="40000" lnSpcReduction="20000"/>
-          </a:bodyPr>
-          <a:lstStyle/>
-          <a:p>
-            <a:pPr marL="0" marR="0" lvl="0" indent="0" algn="ctr" defTabSz="457200" rtl="0" eaLnBrk="1" fontAlgn="auto" latinLnBrk="0" hangingPunct="1">
-              <a:lnSpc>
-                <a:spcPct val="100000"/>
-              </a:lnSpc>
-              <a:spcBef>
-                <a:spcPct val="20000"/>
-              </a:spcBef>
-              <a:spcAft>
-                <a:spcPts val="600"/>
-              </a:spcAft>
-              <a:buClr>
-                <a:schemeClr val="accent2"/>
-              </a:buClr>
-              <a:buSzPct val="92000"/>
-              <a:buFont typeface="Wingdings 2" panose="05020102010507070707" pitchFamily="18" charset="2"/>
-              <a:buNone/>
-              <a:tabLst/>
-              <a:defRPr/>
-            </a:pPr>
-            <a:r>
-              <a:rPr kumimoji="0" lang="en-US" sz="3800" b="0" i="0" u="none" strike="noStrike" kern="1200" cap="none" spc="0" normalizeH="0" baseline="0" noProof="0" dirty="0">
-                <a:ln>
-                  <a:noFill/>
-                </a:ln>
-                <a:solidFill>
-                  <a:schemeClr val="bg1">
-                    <a:lumMod val="50000"/>
-                  </a:schemeClr>
-                </a:solidFill>
-                <a:effectLst/>
-                <a:uLnTx/>
-                <a:uFillTx/>
-                <a:latin typeface="+mn-lt"/>
-                <a:ea typeface="+mn-ea"/>
-                <a:cs typeface="+mn-cs"/>
-              </a:rPr>
-              <a:t>SB</a:t>
-            </a:r>
-          </a:p>
-        </p:txBody>
-      </p:sp>
-    </p:spTree>
-    <p:extLst>
-      <p:ext uri="{BB962C8B-B14F-4D97-AF65-F5344CB8AC3E}">
-        <p14:creationId xmlns:p14="http://schemas.microsoft.com/office/powerpoint/2010/main" val="3411684674"/>
-      </p:ext>
-    </p:extLst>
-  </p:cSld>
-  <p:clrMapOvr>
-    <a:masterClrMapping/>
-  </p:clrMapOvr>
-</p:sld>
-</file>
-
-<file path=ppt/slides/slide11.xml><?xml version="1.0" encoding="utf-8"?>
-<p:sld xmlns:a="http://schemas.openxmlformats.org/drawingml/2006/main" xmlns:r="http://schemas.openxmlformats.org/officeDocument/2006/relationships" xmlns:p="http://schemas.openxmlformats.org/presentationml/2006/main">
-  <p:cSld>
-    <p:spTree>
-      <p:nvGrpSpPr>
-        <p:cNvPr id="1" name=""/>
-        <p:cNvGrpSpPr/>
-        <p:nvPr/>
-      </p:nvGrpSpPr>
-      <p:grpSpPr>
-        <a:xfrm>
-          <a:off x="0" y="0"/>
-          <a:ext cx="0" cy="0"/>
-          <a:chOff x="0" y="0"/>
-          <a:chExt cx="0" cy="0"/>
-        </a:xfrm>
-      </p:grpSpPr>
-      <p:sp>
-        <p:nvSpPr>
-          <p:cNvPr id="2" name="Title 1"/>
-          <p:cNvSpPr>
-            <a:spLocks noGrp="1"/>
-          </p:cNvSpPr>
-          <p:nvPr>
-            <p:ph type="title"/>
-          </p:nvPr>
-        </p:nvSpPr>
-        <p:spPr/>
-        <p:txBody>
-          <a:bodyPr/>
-          <a:lstStyle/>
-          <a:p>
-            <a:r>
-              <a:rPr lang="en-GB" dirty="0"/>
-              <a:t>Software Myths (management)</a:t>
-            </a:r>
-          </a:p>
-        </p:txBody>
-      </p:sp>
-      <p:sp>
-        <p:nvSpPr>
-          <p:cNvPr id="3" name="Content Placeholder 2"/>
-          <p:cNvSpPr>
-            <a:spLocks noGrp="1"/>
-          </p:cNvSpPr>
-          <p:nvPr>
-            <p:ph idx="1"/>
-          </p:nvPr>
-        </p:nvSpPr>
-        <p:spPr>
-          <a:xfrm>
-            <a:off x="764074" y="2129246"/>
-            <a:ext cx="10953310" cy="4206240"/>
-          </a:xfrm>
-        </p:spPr>
-        <p:txBody>
-          <a:bodyPr>
-            <a:normAutofit/>
-          </a:bodyPr>
-          <a:lstStyle/>
-          <a:p>
-            <a:pPr>
-              <a:defRPr/>
-            </a:pPr>
-            <a:r>
-              <a:rPr lang="en-US" altLang="zh-TW" sz="2200" dirty="0">
-                <a:solidFill>
-                  <a:srgbClr val="FF0000"/>
-                </a:solidFill>
-              </a:rPr>
-              <a:t>Myth 1:</a:t>
-            </a:r>
-            <a:r>
-              <a:rPr lang="en-US" altLang="zh-TW" sz="2200" i="1" dirty="0"/>
-              <a:t> </a:t>
-            </a:r>
-            <a:r>
-              <a:rPr lang="en-US" altLang="zh-TW" sz="2200" dirty="0">
-                <a:latin typeface="+mj-lt"/>
-              </a:rPr>
-              <a:t>We already have a book </a:t>
-            </a:r>
-            <a:r>
-              <a:rPr lang="en-US" altLang="zh-TW" sz="2200" dirty="0">
-                <a:solidFill>
-                  <a:srgbClr val="C00000"/>
-                </a:solidFill>
-                <a:latin typeface="+mj-lt"/>
-              </a:rPr>
-              <a:t>full of standards and procedures </a:t>
-            </a:r>
-            <a:r>
-              <a:rPr lang="en-US" altLang="zh-TW" sz="2200" dirty="0">
-                <a:latin typeface="+mj-lt"/>
-              </a:rPr>
-              <a:t>for building software. Wouldn’t that provide my people with everything they need to know?</a:t>
-            </a:r>
-          </a:p>
-          <a:p>
-            <a:pPr>
-              <a:defRPr/>
-            </a:pPr>
-            <a:r>
-              <a:rPr lang="en-US" altLang="zh-TW" sz="2200" dirty="0">
-                <a:solidFill>
-                  <a:srgbClr val="FF0000"/>
-                </a:solidFill>
-                <a:latin typeface="+mj-lt"/>
-              </a:rPr>
-              <a:t>Myth 2</a:t>
-            </a:r>
-            <a:r>
-              <a:rPr lang="en-US" altLang="zh-TW" sz="2200" dirty="0">
-                <a:solidFill>
-                  <a:srgbClr val="FF0000"/>
-                </a:solidFill>
-              </a:rPr>
-              <a:t>:</a:t>
-            </a:r>
-            <a:r>
-              <a:rPr lang="en-US" altLang="zh-TW" sz="2200" dirty="0">
-                <a:latin typeface="+mj-lt"/>
-              </a:rPr>
-              <a:t> My people have </a:t>
-            </a:r>
-            <a:r>
-              <a:rPr lang="en-US" altLang="zh-TW" sz="2200" dirty="0">
-                <a:solidFill>
-                  <a:srgbClr val="C00000"/>
-                </a:solidFill>
-                <a:latin typeface="+mj-lt"/>
-              </a:rPr>
-              <a:t>state-of-the-art software development tools; </a:t>
-            </a:r>
-            <a:r>
-              <a:rPr lang="en-US" altLang="zh-TW" sz="2200" dirty="0">
-                <a:latin typeface="+mj-lt"/>
-              </a:rPr>
-              <a:t>we buy them the newest computers.</a:t>
-            </a:r>
-            <a:br>
-              <a:rPr lang="en-US" altLang="zh-TW" sz="2200" dirty="0">
-                <a:latin typeface="+mj-lt"/>
-              </a:rPr>
-            </a:br>
-            <a:endParaRPr lang="zh-TW" altLang="en-US" sz="2200" dirty="0">
-              <a:latin typeface="+mj-lt"/>
-            </a:endParaRPr>
-          </a:p>
-          <a:p>
-            <a:pPr>
-              <a:defRPr/>
-            </a:pPr>
-            <a:r>
-              <a:rPr lang="en-US" altLang="zh-TW" sz="2200" dirty="0">
-                <a:solidFill>
-                  <a:srgbClr val="FF0000"/>
-                </a:solidFill>
-                <a:latin typeface="+mj-lt"/>
-              </a:rPr>
-              <a:t>Myth 3</a:t>
-            </a:r>
-            <a:r>
-              <a:rPr lang="en-US" altLang="zh-TW" sz="2200" dirty="0">
-                <a:solidFill>
-                  <a:srgbClr val="FF0000"/>
-                </a:solidFill>
-              </a:rPr>
-              <a:t>: </a:t>
-            </a:r>
-            <a:r>
-              <a:rPr lang="en-US" altLang="zh-TW" sz="2200" dirty="0">
-                <a:latin typeface="+mj-lt"/>
-              </a:rPr>
-              <a:t>If we get behind schedule, we can add </a:t>
-            </a:r>
-            <a:r>
-              <a:rPr lang="en-US" altLang="zh-TW" sz="2200" dirty="0">
-                <a:solidFill>
-                  <a:srgbClr val="C00000"/>
-                </a:solidFill>
-                <a:latin typeface="+mj-lt"/>
-              </a:rPr>
-              <a:t>more programmers </a:t>
-            </a:r>
-            <a:r>
-              <a:rPr lang="en-US" altLang="zh-TW" sz="2200" dirty="0">
-                <a:latin typeface="+mj-lt"/>
-              </a:rPr>
-              <a:t>and catch up.</a:t>
-            </a:r>
-            <a:br>
-              <a:rPr lang="en-US" altLang="zh-TW" sz="2200" dirty="0">
-                <a:latin typeface="+mj-lt"/>
-              </a:rPr>
-            </a:br>
-            <a:endParaRPr lang="en-US" altLang="zh-TW" sz="2200" dirty="0">
-              <a:latin typeface="+mj-lt"/>
-            </a:endParaRPr>
-          </a:p>
-          <a:p>
-            <a:pPr>
-              <a:defRPr/>
-            </a:pPr>
-            <a:r>
-              <a:rPr lang="en-US" altLang="zh-TW" sz="2200" dirty="0">
-                <a:solidFill>
-                  <a:srgbClr val="FF0000"/>
-                </a:solidFill>
-                <a:latin typeface="+mj-lt"/>
-              </a:rPr>
-              <a:t>Myth 4</a:t>
-            </a:r>
-            <a:r>
-              <a:rPr lang="en-US" altLang="zh-TW" sz="2200" dirty="0">
-                <a:solidFill>
-                  <a:srgbClr val="FF0000"/>
-                </a:solidFill>
-              </a:rPr>
-              <a:t>:</a:t>
-            </a:r>
-            <a:r>
-              <a:rPr lang="en-US" altLang="zh-TW" sz="2200" i="1" dirty="0">
-                <a:solidFill>
-                  <a:srgbClr val="FF0000"/>
-                </a:solidFill>
-                <a:latin typeface="+mj-lt"/>
-              </a:rPr>
-              <a:t> </a:t>
-            </a:r>
-            <a:r>
-              <a:rPr lang="en-US" altLang="zh-TW" sz="2200" dirty="0">
-                <a:latin typeface="+mj-lt"/>
-              </a:rPr>
-              <a:t>If I outsource the software </a:t>
-            </a:r>
-            <a:r>
-              <a:rPr lang="en-US" altLang="zh-TW" sz="2200" dirty="0">
-                <a:solidFill>
-                  <a:srgbClr val="C00000"/>
-                </a:solidFill>
-                <a:latin typeface="+mj-lt"/>
-              </a:rPr>
-              <a:t>project to a third party, </a:t>
-            </a:r>
-            <a:r>
-              <a:rPr lang="en-US" altLang="zh-TW" sz="2200" dirty="0">
-                <a:latin typeface="+mj-lt"/>
-              </a:rPr>
-              <a:t>I can relax and let that firm build it.</a:t>
-            </a:r>
-          </a:p>
-          <a:p>
-            <a:endParaRPr lang="en-US" altLang="zh-TW" sz="2200" dirty="0">
-              <a:solidFill>
-                <a:srgbClr val="00B050"/>
-              </a:solidFill>
-              <a:latin typeface="+mj-lt"/>
-              <a:ea typeface="PMingLiU" pitchFamily="18" charset="-120"/>
-            </a:endParaRPr>
-          </a:p>
-        </p:txBody>
-      </p:sp>
-      <p:sp>
-        <p:nvSpPr>
-          <p:cNvPr id="6" name="Slide Number Placeholder 3"/>
-          <p:cNvSpPr txBox="1">
-            <a:spLocks/>
-          </p:cNvSpPr>
-          <p:nvPr/>
-        </p:nvSpPr>
-        <p:spPr>
-          <a:xfrm>
-            <a:off x="11665746" y="587829"/>
-            <a:ext cx="425823" cy="1225165"/>
-          </a:xfrm>
-          <a:prstGeom prst="rect">
-            <a:avLst/>
-          </a:prstGeom>
-        </p:spPr>
-        <p:txBody>
-          <a:bodyPr vert="vert270" lIns="91440" tIns="45720" rIns="91440" bIns="45720" rtlCol="0" anchor="ctr"/>
-          <a:lstStyle/>
-          <a:p>
-            <a:pPr marL="0" marR="0" lvl="0" indent="0" algn="r" defTabSz="457200" rtl="0" eaLnBrk="1" fontAlgn="auto" latinLnBrk="0" hangingPunct="1">
-              <a:lnSpc>
-                <a:spcPct val="100000"/>
-              </a:lnSpc>
-              <a:spcBef>
-                <a:spcPts val="0"/>
-              </a:spcBef>
-              <a:spcAft>
-                <a:spcPts val="0"/>
-              </a:spcAft>
-              <a:buClrTx/>
-              <a:buSzTx/>
-              <a:buFontTx/>
-              <a:buNone/>
-              <a:tabLst/>
-              <a:defRPr/>
-            </a:pPr>
-            <a:r>
-              <a:rPr kumimoji="0" lang="en-US" sz="1400" b="1" i="0" u="none" strike="noStrike" kern="1200" cap="none" spc="0" normalizeH="0" baseline="0" noProof="0" dirty="0">
-                <a:ln>
-                  <a:noFill/>
-                </a:ln>
-                <a:solidFill>
-                  <a:schemeClr val="accent2"/>
-                </a:solidFill>
-                <a:effectLst/>
-                <a:uLnTx/>
-                <a:uFillTx/>
-                <a:latin typeface="+mn-lt"/>
-                <a:ea typeface="+mn-ea"/>
-                <a:cs typeface="+mn-cs"/>
-              </a:rPr>
-              <a:t>Slide - 11</a:t>
-            </a:r>
-          </a:p>
-        </p:txBody>
-      </p:sp>
-      <p:sp>
-        <p:nvSpPr>
-          <p:cNvPr id="4" name="Content Placeholder 2">
-            <a:extLst>
-              <a:ext uri="{FF2B5EF4-FFF2-40B4-BE49-F238E27FC236}">
-                <a16:creationId xmlns:a16="http://schemas.microsoft.com/office/drawing/2014/main" id="{886BA8D7-B2BF-878A-7F0C-E10F2B006CC1}"/>
-              </a:ext>
-            </a:extLst>
-          </p:cNvPr>
-          <p:cNvSpPr txBox="1">
-            <a:spLocks/>
-          </p:cNvSpPr>
-          <p:nvPr/>
-        </p:nvSpPr>
-        <p:spPr>
-          <a:xfrm>
-            <a:off x="11551428" y="6582157"/>
-            <a:ext cx="640572" cy="275843"/>
-          </a:xfrm>
-          <a:prstGeom prst="rect">
-            <a:avLst/>
-          </a:prstGeom>
-        </p:spPr>
-        <p:txBody>
-          <a:bodyPr vert="horz" lIns="91440" tIns="45720" rIns="91440" bIns="45720" rtlCol="0" anchor="ctr">
-            <a:normAutofit fontScale="40000" lnSpcReduction="20000"/>
-          </a:bodyPr>
-          <a:lstStyle/>
-          <a:p>
-            <a:pPr marL="0" marR="0" lvl="0" indent="0" algn="ctr" defTabSz="457200" rtl="0" eaLnBrk="1" fontAlgn="auto" latinLnBrk="0" hangingPunct="1">
-              <a:lnSpc>
-                <a:spcPct val="100000"/>
-              </a:lnSpc>
-              <a:spcBef>
-                <a:spcPct val="20000"/>
-              </a:spcBef>
-              <a:spcAft>
-                <a:spcPts val="600"/>
-              </a:spcAft>
-              <a:buClr>
-                <a:schemeClr val="accent2"/>
-              </a:buClr>
-              <a:buSzPct val="92000"/>
-              <a:buFont typeface="Wingdings 2" panose="05020102010507070707" pitchFamily="18" charset="2"/>
-              <a:buNone/>
-              <a:tabLst/>
-              <a:defRPr/>
-            </a:pPr>
-            <a:r>
-              <a:rPr kumimoji="0" lang="en-US" sz="3800" b="0" i="0" u="none" strike="noStrike" kern="1200" cap="none" spc="0" normalizeH="0" baseline="0" noProof="0" dirty="0">
-                <a:ln>
-                  <a:noFill/>
-                </a:ln>
-                <a:solidFill>
-                  <a:schemeClr val="bg1">
-                    <a:lumMod val="50000"/>
-                  </a:schemeClr>
-                </a:solidFill>
-                <a:effectLst/>
-                <a:uLnTx/>
-                <a:uFillTx/>
-                <a:latin typeface="+mn-lt"/>
-                <a:ea typeface="+mn-ea"/>
-                <a:cs typeface="+mn-cs"/>
-              </a:rPr>
-              <a:t>SB</a:t>
-            </a:r>
-          </a:p>
-        </p:txBody>
-      </p:sp>
-    </p:spTree>
-    <p:extLst>
-      <p:ext uri="{BB962C8B-B14F-4D97-AF65-F5344CB8AC3E}">
-        <p14:creationId xmlns:p14="http://schemas.microsoft.com/office/powerpoint/2010/main" val="3411684674"/>
-      </p:ext>
-    </p:extLst>
-  </p:cSld>
-  <p:clrMapOvr>
-    <a:masterClrMapping/>
-  </p:clrMapOvr>
-</p:sld>
-</file>
-
-<file path=ppt/slides/slide12.xml><?xml version="1.0" encoding="utf-8"?>
-<p:sld xmlns:a="http://schemas.openxmlformats.org/drawingml/2006/main" xmlns:r="http://schemas.openxmlformats.org/officeDocument/2006/relationships" xmlns:p="http://schemas.openxmlformats.org/presentationml/2006/main">
-  <p:cSld>
-    <p:spTree>
-      <p:nvGrpSpPr>
-        <p:cNvPr id="1" name=""/>
-        <p:cNvGrpSpPr/>
-        <p:nvPr/>
-      </p:nvGrpSpPr>
-      <p:grpSpPr>
-        <a:xfrm>
-          <a:off x="0" y="0"/>
-          <a:ext cx="0" cy="0"/>
-          <a:chOff x="0" y="0"/>
-          <a:chExt cx="0" cy="0"/>
-        </a:xfrm>
-      </p:grpSpPr>
-      <p:sp>
-        <p:nvSpPr>
-          <p:cNvPr id="2" name="Title 1"/>
-          <p:cNvSpPr>
-            <a:spLocks noGrp="1"/>
-          </p:cNvSpPr>
-          <p:nvPr>
-            <p:ph type="title"/>
-          </p:nvPr>
-        </p:nvSpPr>
-        <p:spPr/>
-        <p:txBody>
-          <a:bodyPr/>
-          <a:lstStyle/>
-          <a:p>
-            <a:r>
-              <a:rPr lang="en-GB" dirty="0"/>
-              <a:t>Software Myths </a:t>
-            </a:r>
-            <a:r>
-              <a:rPr lang="en-GB"/>
-              <a:t>(client)</a:t>
-            </a:r>
-            <a:endParaRPr lang="en-GB" dirty="0"/>
-          </a:p>
-        </p:txBody>
-      </p:sp>
-      <p:sp>
-        <p:nvSpPr>
-          <p:cNvPr id="3" name="Content Placeholder 2"/>
-          <p:cNvSpPr>
-            <a:spLocks noGrp="1"/>
-          </p:cNvSpPr>
-          <p:nvPr>
-            <p:ph idx="1"/>
-          </p:nvPr>
-        </p:nvSpPr>
-        <p:spPr>
-          <a:xfrm>
-            <a:off x="764074" y="2129246"/>
-            <a:ext cx="10953310" cy="3004457"/>
-          </a:xfrm>
-        </p:spPr>
-        <p:txBody>
-          <a:bodyPr>
-            <a:normAutofit/>
-          </a:bodyPr>
-          <a:lstStyle/>
-          <a:p>
-            <a:r>
-              <a:rPr lang="en-US" altLang="zh-TW" sz="2200" dirty="0">
-                <a:solidFill>
-                  <a:srgbClr val="FF0000"/>
-                </a:solidFill>
-                <a:latin typeface="+mj-lt"/>
-              </a:rPr>
-              <a:t>Myth 1: </a:t>
-            </a:r>
-            <a:r>
-              <a:rPr lang="en-US" altLang="zh-TW" sz="2200" dirty="0">
-                <a:latin typeface="+mj-lt"/>
-              </a:rPr>
-              <a:t>A </a:t>
-            </a:r>
-            <a:r>
-              <a:rPr lang="en-US" altLang="zh-TW" sz="2200" dirty="0">
-                <a:solidFill>
-                  <a:srgbClr val="7030A0"/>
-                </a:solidFill>
-                <a:latin typeface="+mj-lt"/>
-              </a:rPr>
-              <a:t>general statement </a:t>
-            </a:r>
-            <a:r>
-              <a:rPr lang="en-US" altLang="zh-TW" sz="2200" dirty="0">
-                <a:latin typeface="+mj-lt"/>
-              </a:rPr>
-              <a:t>of objectives is sufficient to begin writing programs – we can fill in the details later.</a:t>
-            </a:r>
-            <a:br>
-              <a:rPr lang="en-US" altLang="zh-TW" sz="2200" dirty="0">
-                <a:latin typeface="+mj-lt"/>
-              </a:rPr>
-            </a:br>
-            <a:endParaRPr lang="en-US" altLang="zh-TW" sz="2200" dirty="0">
-              <a:latin typeface="+mj-lt"/>
-            </a:endParaRPr>
-          </a:p>
-          <a:p>
-            <a:r>
-              <a:rPr lang="en-US" altLang="zh-TW" sz="2200" dirty="0">
-                <a:solidFill>
-                  <a:srgbClr val="FF0000"/>
-                </a:solidFill>
-                <a:latin typeface="+mj-lt"/>
-              </a:rPr>
-              <a:t>Myth 2:</a:t>
-            </a:r>
-            <a:r>
-              <a:rPr lang="en-US" altLang="zh-TW" sz="2200" dirty="0">
-                <a:latin typeface="+mj-lt"/>
-              </a:rPr>
-              <a:t> Project requirements continually change, but </a:t>
-            </a:r>
-            <a:r>
-              <a:rPr lang="en-US" altLang="zh-TW" sz="2200" dirty="0">
-                <a:solidFill>
-                  <a:srgbClr val="7030A0"/>
-                </a:solidFill>
-                <a:latin typeface="+mj-lt"/>
-              </a:rPr>
-              <a:t>change can be easily accommodated </a:t>
-            </a:r>
-            <a:r>
-              <a:rPr lang="en-US" altLang="zh-TW" sz="2200" dirty="0">
-                <a:latin typeface="+mj-lt"/>
-              </a:rPr>
-              <a:t>because software is flexible.</a:t>
-            </a:r>
-          </a:p>
-          <a:p>
-            <a:pPr>
-              <a:defRPr/>
-            </a:pPr>
-            <a:endParaRPr lang="en-US" altLang="zh-TW" sz="2200" dirty="0">
-              <a:solidFill>
-                <a:srgbClr val="00B050"/>
-              </a:solidFill>
-              <a:latin typeface="+mj-lt"/>
-              <a:ea typeface="PMingLiU" pitchFamily="18" charset="-120"/>
-            </a:endParaRPr>
-          </a:p>
-        </p:txBody>
-      </p:sp>
-      <p:sp>
-        <p:nvSpPr>
-          <p:cNvPr id="6" name="Slide Number Placeholder 3"/>
-          <p:cNvSpPr txBox="1">
-            <a:spLocks/>
-          </p:cNvSpPr>
-          <p:nvPr/>
-        </p:nvSpPr>
-        <p:spPr>
-          <a:xfrm>
-            <a:off x="11665746" y="587829"/>
-            <a:ext cx="425823" cy="1225165"/>
-          </a:xfrm>
-          <a:prstGeom prst="rect">
-            <a:avLst/>
-          </a:prstGeom>
-        </p:spPr>
-        <p:txBody>
-          <a:bodyPr vert="vert270" lIns="91440" tIns="45720" rIns="91440" bIns="45720" rtlCol="0" anchor="ctr"/>
-          <a:lstStyle/>
-          <a:p>
-            <a:pPr marL="0" marR="0" lvl="0" indent="0" algn="r" defTabSz="457200" rtl="0" eaLnBrk="1" fontAlgn="auto" latinLnBrk="0" hangingPunct="1">
-              <a:lnSpc>
-                <a:spcPct val="100000"/>
-              </a:lnSpc>
-              <a:spcBef>
-                <a:spcPts val="0"/>
-              </a:spcBef>
-              <a:spcAft>
-                <a:spcPts val="0"/>
-              </a:spcAft>
-              <a:buClrTx/>
-              <a:buSzTx/>
-              <a:buFontTx/>
-              <a:buNone/>
-              <a:tabLst/>
-              <a:defRPr/>
-            </a:pPr>
-            <a:r>
-              <a:rPr kumimoji="0" lang="en-US" sz="1400" b="1" i="0" u="none" strike="noStrike" kern="1200" cap="none" spc="0" normalizeH="0" baseline="0" noProof="0" dirty="0">
-                <a:ln>
-                  <a:noFill/>
-                </a:ln>
-                <a:solidFill>
-                  <a:schemeClr val="accent2"/>
-                </a:solidFill>
-                <a:effectLst/>
-                <a:uLnTx/>
-                <a:uFillTx/>
-                <a:latin typeface="+mn-lt"/>
-                <a:ea typeface="+mn-ea"/>
-                <a:cs typeface="+mn-cs"/>
-              </a:rPr>
-              <a:t>Slide - 12</a:t>
-            </a:r>
-          </a:p>
-        </p:txBody>
-      </p:sp>
-      <p:sp>
-        <p:nvSpPr>
-          <p:cNvPr id="4" name="Content Placeholder 2">
-            <a:extLst>
-              <a:ext uri="{FF2B5EF4-FFF2-40B4-BE49-F238E27FC236}">
-                <a16:creationId xmlns:a16="http://schemas.microsoft.com/office/drawing/2014/main" id="{0DC9FB57-00F2-D2E7-4EC6-9EE8E146CDE7}"/>
-              </a:ext>
-            </a:extLst>
-          </p:cNvPr>
-          <p:cNvSpPr txBox="1">
-            <a:spLocks/>
-          </p:cNvSpPr>
-          <p:nvPr/>
-        </p:nvSpPr>
-        <p:spPr>
-          <a:xfrm>
-            <a:off x="11551428" y="6582157"/>
-            <a:ext cx="640572" cy="275843"/>
-          </a:xfrm>
-          <a:prstGeom prst="rect">
-            <a:avLst/>
-          </a:prstGeom>
-        </p:spPr>
-        <p:txBody>
-          <a:bodyPr vert="horz" lIns="91440" tIns="45720" rIns="91440" bIns="45720" rtlCol="0" anchor="ctr">
-            <a:normAutofit fontScale="40000" lnSpcReduction="20000"/>
-          </a:bodyPr>
-          <a:lstStyle/>
-          <a:p>
-            <a:pPr marL="0" marR="0" lvl="0" indent="0" algn="ctr" defTabSz="457200" rtl="0" eaLnBrk="1" fontAlgn="auto" latinLnBrk="0" hangingPunct="1">
-              <a:lnSpc>
-                <a:spcPct val="100000"/>
-              </a:lnSpc>
-              <a:spcBef>
-                <a:spcPct val="20000"/>
-              </a:spcBef>
-              <a:spcAft>
-                <a:spcPts val="600"/>
-              </a:spcAft>
-              <a:buClr>
-                <a:schemeClr val="accent2"/>
-              </a:buClr>
-              <a:buSzPct val="92000"/>
-              <a:buFont typeface="Wingdings 2" panose="05020102010507070707" pitchFamily="18" charset="2"/>
-              <a:buNone/>
-              <a:tabLst/>
-              <a:defRPr/>
-            </a:pPr>
-            <a:r>
-              <a:rPr kumimoji="0" lang="en-US" sz="3800" b="0" i="0" u="none" strike="noStrike" kern="1200" cap="none" spc="0" normalizeH="0" baseline="0" noProof="0" dirty="0">
-                <a:ln>
-                  <a:noFill/>
-                </a:ln>
-                <a:solidFill>
-                  <a:schemeClr val="bg1">
-                    <a:lumMod val="50000"/>
-                  </a:schemeClr>
-                </a:solidFill>
-                <a:effectLst/>
-                <a:uLnTx/>
-                <a:uFillTx/>
-                <a:latin typeface="+mn-lt"/>
-                <a:ea typeface="+mn-ea"/>
-                <a:cs typeface="+mn-cs"/>
-              </a:rPr>
-              <a:t>SB</a:t>
-            </a:r>
-          </a:p>
-        </p:txBody>
-      </p:sp>
-    </p:spTree>
-    <p:extLst>
-      <p:ext uri="{BB962C8B-B14F-4D97-AF65-F5344CB8AC3E}">
-        <p14:creationId xmlns:p14="http://schemas.microsoft.com/office/powerpoint/2010/main" val="3411684674"/>
-      </p:ext>
-    </p:extLst>
-  </p:cSld>
-  <p:clrMapOvr>
-    <a:masterClrMapping/>
-  </p:clrMapOvr>
-</p:sld>
-</file>
-
-<file path=ppt/slides/slide13.xml><?xml version="1.0" encoding="utf-8"?>
-<p:sld xmlns:a="http://schemas.openxmlformats.org/drawingml/2006/main" xmlns:r="http://schemas.openxmlformats.org/officeDocument/2006/relationships" xmlns:p="http://schemas.openxmlformats.org/presentationml/2006/main">
-  <p:cSld>
-    <p:spTree>
-      <p:nvGrpSpPr>
-        <p:cNvPr id="1" name=""/>
-        <p:cNvGrpSpPr/>
-        <p:nvPr/>
-      </p:nvGrpSpPr>
-      <p:grpSpPr>
-        <a:xfrm>
-          <a:off x="0" y="0"/>
-          <a:ext cx="0" cy="0"/>
-          <a:chOff x="0" y="0"/>
-          <a:chExt cx="0" cy="0"/>
-        </a:xfrm>
-      </p:grpSpPr>
-      <p:sp>
-        <p:nvSpPr>
-          <p:cNvPr id="2" name="Title 1"/>
-          <p:cNvSpPr>
-            <a:spLocks noGrp="1"/>
-          </p:cNvSpPr>
-          <p:nvPr>
-            <p:ph type="title"/>
-          </p:nvPr>
-        </p:nvSpPr>
-        <p:spPr/>
-        <p:txBody>
-          <a:bodyPr/>
-          <a:lstStyle/>
-          <a:p>
-            <a:r>
-              <a:rPr lang="en-GB" dirty="0"/>
-              <a:t>Software Myths (professional)</a:t>
-            </a:r>
-          </a:p>
-        </p:txBody>
-      </p:sp>
-      <p:sp>
-        <p:nvSpPr>
-          <p:cNvPr id="3" name="Content Placeholder 2"/>
-          <p:cNvSpPr>
-            <a:spLocks noGrp="1"/>
-          </p:cNvSpPr>
-          <p:nvPr>
-            <p:ph idx="1"/>
-          </p:nvPr>
-        </p:nvSpPr>
-        <p:spPr>
-          <a:xfrm>
-            <a:off x="790200" y="2063932"/>
-            <a:ext cx="10953310" cy="4206239"/>
-          </a:xfrm>
-        </p:spPr>
-        <p:txBody>
-          <a:bodyPr>
-            <a:normAutofit/>
-          </a:bodyPr>
-          <a:lstStyle/>
-          <a:p>
-            <a:pPr>
-              <a:lnSpc>
-                <a:spcPct val="90000"/>
-              </a:lnSpc>
-            </a:pPr>
-            <a:r>
-              <a:rPr lang="en-US" altLang="zh-TW" sz="2200" dirty="0">
-                <a:solidFill>
-                  <a:srgbClr val="FF0000"/>
-                </a:solidFill>
-                <a:latin typeface="+mj-lt"/>
-              </a:rPr>
-              <a:t>Myth 1:</a:t>
-            </a:r>
-            <a:r>
-              <a:rPr lang="en-US" altLang="zh-TW" sz="2200" dirty="0">
-                <a:latin typeface="+mj-lt"/>
-              </a:rPr>
-              <a:t> Our job is done once we write the program and get it to work.</a:t>
-            </a:r>
-            <a:br>
-              <a:rPr lang="en-US" altLang="zh-TW" sz="2200" dirty="0">
-                <a:latin typeface="+mj-lt"/>
-              </a:rPr>
-            </a:br>
-            <a:endParaRPr lang="en-US" altLang="zh-TW" sz="2200" dirty="0">
-              <a:latin typeface="+mj-lt"/>
-            </a:endParaRPr>
-          </a:p>
-          <a:p>
-            <a:pPr lvl="1">
-              <a:lnSpc>
-                <a:spcPct val="90000"/>
-              </a:lnSpc>
-              <a:buNone/>
-            </a:pPr>
-            <a:r>
-              <a:rPr lang="en-US" altLang="zh-TW" sz="2200" i="1" dirty="0">
-                <a:latin typeface="+mj-lt"/>
-              </a:rPr>
-              <a:t>Fact: </a:t>
-            </a:r>
-            <a:r>
-              <a:rPr lang="en-US" altLang="zh-TW" sz="2200" i="1" dirty="0">
-                <a:solidFill>
-                  <a:srgbClr val="FF0000"/>
-                </a:solidFill>
-                <a:latin typeface="+mj-lt"/>
-              </a:rPr>
-              <a:t>the sooner you begin writing code, the longer it will take you to get done.</a:t>
-            </a:r>
-            <a:br>
-              <a:rPr lang="en-US" altLang="zh-TW" sz="2200" i="1" dirty="0">
-                <a:solidFill>
-                  <a:srgbClr val="FF0000"/>
-                </a:solidFill>
-                <a:latin typeface="+mj-lt"/>
-              </a:rPr>
-            </a:br>
-            <a:endParaRPr lang="en-US" altLang="zh-TW" sz="2200" dirty="0">
-              <a:latin typeface="+mj-lt"/>
-            </a:endParaRPr>
-          </a:p>
-          <a:p>
-            <a:pPr>
-              <a:lnSpc>
-                <a:spcPct val="90000"/>
-              </a:lnSpc>
-            </a:pPr>
-            <a:r>
-              <a:rPr lang="en-US" altLang="zh-TW" sz="2200" dirty="0">
-                <a:solidFill>
-                  <a:srgbClr val="FF0000"/>
-                </a:solidFill>
-                <a:latin typeface="+mj-lt"/>
-              </a:rPr>
-              <a:t>Myth 2: </a:t>
-            </a:r>
-            <a:r>
-              <a:rPr lang="en-US" altLang="zh-TW" sz="2200" dirty="0">
-                <a:latin typeface="+mj-lt"/>
-              </a:rPr>
-              <a:t>I cannot assess the program's quality until it is “running. "</a:t>
-            </a:r>
-            <a:br>
-              <a:rPr lang="en-US" altLang="zh-TW" sz="2200" dirty="0">
-                <a:latin typeface="+mj-lt"/>
-              </a:rPr>
-            </a:br>
-            <a:endParaRPr lang="en-US" altLang="zh-TW" sz="2200" dirty="0">
-              <a:latin typeface="+mj-lt"/>
-            </a:endParaRPr>
-          </a:p>
-          <a:p>
-            <a:pPr>
-              <a:lnSpc>
-                <a:spcPct val="90000"/>
-              </a:lnSpc>
-            </a:pPr>
-            <a:r>
-              <a:rPr lang="en-US" altLang="zh-TW" sz="2200" dirty="0">
-                <a:solidFill>
-                  <a:srgbClr val="FF0000"/>
-                </a:solidFill>
-                <a:latin typeface="+mj-lt"/>
-              </a:rPr>
-              <a:t>Myth 3:</a:t>
-            </a:r>
-            <a:r>
-              <a:rPr lang="en-US" altLang="zh-TW" sz="2200" dirty="0">
-                <a:latin typeface="+mj-lt"/>
-              </a:rPr>
-              <a:t> The working program is the only deliverable work product for a successful project.</a:t>
-            </a:r>
-            <a:br>
-              <a:rPr lang="en-US" altLang="zh-TW" sz="2200" dirty="0">
-                <a:latin typeface="+mj-lt"/>
-              </a:rPr>
-            </a:br>
-            <a:endParaRPr lang="en-US" altLang="zh-TW" sz="2200" dirty="0">
-              <a:latin typeface="+mj-lt"/>
-            </a:endParaRPr>
-          </a:p>
-          <a:p>
-            <a:pPr>
-              <a:lnSpc>
-                <a:spcPct val="90000"/>
-              </a:lnSpc>
-            </a:pPr>
-            <a:r>
-              <a:rPr lang="en-US" altLang="zh-TW" sz="2200" dirty="0">
-                <a:solidFill>
-                  <a:srgbClr val="FF0000"/>
-                </a:solidFill>
-                <a:latin typeface="+mj-lt"/>
-              </a:rPr>
-              <a:t>Myth 4:</a:t>
-            </a:r>
-            <a:r>
-              <a:rPr lang="en-US" altLang="zh-TW" sz="2200" i="1" dirty="0">
-                <a:latin typeface="+mj-lt"/>
-              </a:rPr>
-              <a:t> </a:t>
-            </a:r>
-            <a:r>
-              <a:rPr lang="en-US" altLang="zh-TW" sz="2200" dirty="0">
-                <a:latin typeface="+mj-lt"/>
-              </a:rPr>
-              <a:t>Software engineering will make us </a:t>
-            </a:r>
-            <a:r>
-              <a:rPr lang="en-US" altLang="zh-TW" sz="2200">
-                <a:latin typeface="+mj-lt"/>
-              </a:rPr>
-              <a:t>create very large </a:t>
-            </a:r>
-            <a:r>
-              <a:rPr lang="en-US" altLang="zh-TW" sz="2200" dirty="0">
-                <a:latin typeface="+mj-lt"/>
-              </a:rPr>
-              <a:t>and unnecessary documentation, invariably slowing us down.</a:t>
-            </a:r>
-            <a:endParaRPr lang="zh-TW" altLang="en-US" sz="2200" dirty="0">
-              <a:latin typeface="+mj-lt"/>
-            </a:endParaRPr>
-          </a:p>
-          <a:p>
-            <a:pPr>
-              <a:defRPr/>
-            </a:pPr>
-            <a:endParaRPr lang="en-US" altLang="zh-TW" sz="2200" dirty="0">
-              <a:solidFill>
-                <a:srgbClr val="00B050"/>
-              </a:solidFill>
-              <a:latin typeface="+mj-lt"/>
-              <a:ea typeface="PMingLiU" pitchFamily="18" charset="-120"/>
-            </a:endParaRPr>
-          </a:p>
-        </p:txBody>
-      </p:sp>
-      <p:sp>
-        <p:nvSpPr>
-          <p:cNvPr id="6" name="Slide Number Placeholder 3"/>
-          <p:cNvSpPr txBox="1">
-            <a:spLocks/>
-          </p:cNvSpPr>
-          <p:nvPr/>
-        </p:nvSpPr>
-        <p:spPr>
-          <a:xfrm>
-            <a:off x="11665746" y="587829"/>
-            <a:ext cx="425823" cy="1225165"/>
-          </a:xfrm>
-          <a:prstGeom prst="rect">
-            <a:avLst/>
-          </a:prstGeom>
-        </p:spPr>
-        <p:txBody>
-          <a:bodyPr vert="vert270" lIns="91440" tIns="45720" rIns="91440" bIns="45720" rtlCol="0" anchor="ctr"/>
-          <a:lstStyle/>
-          <a:p>
-            <a:pPr marL="0" marR="0" lvl="0" indent="0" algn="r" defTabSz="457200" rtl="0" eaLnBrk="1" fontAlgn="auto" latinLnBrk="0" hangingPunct="1">
-              <a:lnSpc>
-                <a:spcPct val="100000"/>
-              </a:lnSpc>
-              <a:spcBef>
-                <a:spcPts val="0"/>
-              </a:spcBef>
-              <a:spcAft>
-                <a:spcPts val="0"/>
-              </a:spcAft>
-              <a:buClrTx/>
-              <a:buSzTx/>
-              <a:buFontTx/>
-              <a:buNone/>
-              <a:tabLst/>
-              <a:defRPr/>
-            </a:pPr>
-            <a:r>
-              <a:rPr kumimoji="0" lang="en-US" sz="1400" b="1" i="0" u="none" strike="noStrike" kern="1200" cap="none" spc="0" normalizeH="0" baseline="0" noProof="0" dirty="0">
-                <a:ln>
-                  <a:noFill/>
-                </a:ln>
-                <a:solidFill>
-                  <a:schemeClr val="accent2"/>
-                </a:solidFill>
-                <a:effectLst/>
-                <a:uLnTx/>
-                <a:uFillTx/>
-                <a:latin typeface="+mn-lt"/>
-                <a:ea typeface="+mn-ea"/>
-                <a:cs typeface="+mn-cs"/>
-              </a:rPr>
-              <a:t>Slide - 13</a:t>
-            </a:r>
-          </a:p>
-        </p:txBody>
-      </p:sp>
-      <p:sp>
-        <p:nvSpPr>
-          <p:cNvPr id="4" name="Content Placeholder 2">
-            <a:extLst>
-              <a:ext uri="{FF2B5EF4-FFF2-40B4-BE49-F238E27FC236}">
-                <a16:creationId xmlns:a16="http://schemas.microsoft.com/office/drawing/2014/main" id="{6BDEC8BA-A092-BA65-E675-604AB01E18B5}"/>
-              </a:ext>
-            </a:extLst>
-          </p:cNvPr>
-          <p:cNvSpPr txBox="1">
-            <a:spLocks/>
-          </p:cNvSpPr>
-          <p:nvPr/>
-        </p:nvSpPr>
-        <p:spPr>
-          <a:xfrm>
-            <a:off x="11551428" y="6582157"/>
-            <a:ext cx="640572" cy="275843"/>
-          </a:xfrm>
-          <a:prstGeom prst="rect">
-            <a:avLst/>
-          </a:prstGeom>
-        </p:spPr>
-        <p:txBody>
-          <a:bodyPr vert="horz" lIns="91440" tIns="45720" rIns="91440" bIns="45720" rtlCol="0" anchor="ctr">
-            <a:normAutofit fontScale="40000" lnSpcReduction="20000"/>
-          </a:bodyPr>
-          <a:lstStyle/>
-          <a:p>
-            <a:pPr marL="0" marR="0" lvl="0" indent="0" algn="ctr" defTabSz="457200" rtl="0" eaLnBrk="1" fontAlgn="auto" latinLnBrk="0" hangingPunct="1">
-              <a:lnSpc>
-                <a:spcPct val="100000"/>
-              </a:lnSpc>
-              <a:spcBef>
-                <a:spcPct val="20000"/>
-              </a:spcBef>
-              <a:spcAft>
-                <a:spcPts val="600"/>
-              </a:spcAft>
-              <a:buClr>
-                <a:schemeClr val="accent2"/>
-              </a:buClr>
-              <a:buSzPct val="92000"/>
-              <a:buFont typeface="Wingdings 2" panose="05020102010507070707" pitchFamily="18" charset="2"/>
-              <a:buNone/>
-              <a:tabLst/>
-              <a:defRPr/>
-            </a:pPr>
-            <a:r>
-              <a:rPr kumimoji="0" lang="en-US" sz="3800" b="0" i="0" u="none" strike="noStrike" kern="1200" cap="none" spc="0" normalizeH="0" baseline="0" noProof="0" dirty="0">
-                <a:ln>
-                  <a:noFill/>
-                </a:ln>
-                <a:solidFill>
-                  <a:schemeClr val="bg1">
-                    <a:lumMod val="50000"/>
-                  </a:schemeClr>
-                </a:solidFill>
-                <a:effectLst/>
-                <a:uLnTx/>
-                <a:uFillTx/>
-                <a:latin typeface="+mn-lt"/>
-                <a:ea typeface="+mn-ea"/>
-                <a:cs typeface="+mn-cs"/>
-              </a:rPr>
-              <a:t>SB</a:t>
-            </a:r>
-          </a:p>
-        </p:txBody>
-      </p:sp>
-    </p:spTree>
-    <p:extLst>
-      <p:ext uri="{BB962C8B-B14F-4D97-AF65-F5344CB8AC3E}">
-        <p14:creationId xmlns:p14="http://schemas.microsoft.com/office/powerpoint/2010/main" val="3411684674"/>
-      </p:ext>
-    </p:extLst>
-  </p:cSld>
-  <p:clrMapOvr>
-    <a:masterClrMapping/>
-  </p:clrMapOvr>
-</p:sld>
-</file>
-
-<file path=ppt/slides/slide14.xml><?xml version="1.0" encoding="utf-8"?>
-<p:sld xmlns:a="http://schemas.openxmlformats.org/drawingml/2006/main" xmlns:r="http://schemas.openxmlformats.org/officeDocument/2006/relationships" xmlns:p="http://schemas.openxmlformats.org/presentationml/2006/main">
-  <p:cSld>
-    <p:spTree>
-      <p:nvGrpSpPr>
-        <p:cNvPr id="1" name=""/>
-        <p:cNvGrpSpPr/>
-        <p:nvPr/>
-      </p:nvGrpSpPr>
-      <p:grpSpPr>
-        <a:xfrm>
-          <a:off x="0" y="0"/>
-          <a:ext cx="0" cy="0"/>
-          <a:chOff x="0" y="0"/>
-          <a:chExt cx="0" cy="0"/>
-        </a:xfrm>
-      </p:grpSpPr>
-      <p:sp>
-        <p:nvSpPr>
-          <p:cNvPr id="2" name="Title 1"/>
-          <p:cNvSpPr>
-            <a:spLocks noGrp="1"/>
-          </p:cNvSpPr>
-          <p:nvPr>
-            <p:ph type="title"/>
-          </p:nvPr>
-        </p:nvSpPr>
-        <p:spPr/>
-        <p:txBody>
-          <a:bodyPr/>
-          <a:lstStyle/>
-          <a:p>
-            <a:r>
-              <a:rPr lang="en-GB" dirty="0"/>
-              <a:t>Why system fails?</a:t>
-            </a:r>
-          </a:p>
-        </p:txBody>
-      </p:sp>
-      <p:sp>
-        <p:nvSpPr>
-          <p:cNvPr id="3" name="Content Placeholder 2"/>
-          <p:cNvSpPr>
-            <a:spLocks noGrp="1"/>
-          </p:cNvSpPr>
-          <p:nvPr>
-            <p:ph idx="1"/>
-          </p:nvPr>
-        </p:nvSpPr>
-        <p:spPr>
-          <a:xfrm>
-            <a:off x="559631" y="2131518"/>
-            <a:ext cx="11051177" cy="3474719"/>
-          </a:xfrm>
-        </p:spPr>
-        <p:txBody>
-          <a:bodyPr>
-            <a:noAutofit/>
-          </a:bodyPr>
-          <a:lstStyle/>
-          <a:p>
-            <a:pPr>
-              <a:buFont typeface="Wingdings" pitchFamily="2" charset="2"/>
-              <a:buChar char="q"/>
-            </a:pPr>
-            <a:r>
-              <a:rPr lang="en-GB" altLang="en-US" sz="2000" dirty="0">
-                <a:latin typeface="+mj-lt"/>
-              </a:rPr>
-              <a:t>The system fails to meet the </a:t>
-            </a:r>
-            <a:r>
-              <a:rPr lang="en-GB" altLang="en-US" sz="2000" dirty="0">
-                <a:solidFill>
-                  <a:srgbClr val="C00000"/>
-                </a:solidFill>
-                <a:latin typeface="+mj-lt"/>
-              </a:rPr>
-              <a:t>business requirements </a:t>
-            </a:r>
-            <a:r>
-              <a:rPr lang="en-GB" altLang="en-US" sz="2000" dirty="0">
-                <a:latin typeface="+mj-lt"/>
-              </a:rPr>
-              <a:t>for which it was developed. The system is either </a:t>
-            </a:r>
-            <a:r>
-              <a:rPr lang="en-GB" altLang="en-US" sz="2000" dirty="0">
-                <a:solidFill>
-                  <a:srgbClr val="7030A0"/>
-                </a:solidFill>
-                <a:latin typeface="+mj-lt"/>
-              </a:rPr>
-              <a:t>abandoned</a:t>
-            </a:r>
-            <a:r>
-              <a:rPr lang="en-GB" altLang="en-US" sz="2000" dirty="0">
-                <a:latin typeface="+mj-lt"/>
-              </a:rPr>
-              <a:t> or </a:t>
-            </a:r>
-            <a:r>
-              <a:rPr lang="en-GB" altLang="en-US" sz="2000" dirty="0">
-                <a:solidFill>
-                  <a:srgbClr val="7030A0"/>
-                </a:solidFill>
-                <a:latin typeface="+mj-lt"/>
-              </a:rPr>
-              <a:t>expensive adaptive maintenance </a:t>
-            </a:r>
-            <a:r>
-              <a:rPr lang="en-GB" altLang="en-US" sz="2000" dirty="0">
-                <a:latin typeface="+mj-lt"/>
-              </a:rPr>
-              <a:t>is undertaken.</a:t>
-            </a:r>
-          </a:p>
-          <a:p>
-            <a:pPr>
-              <a:buFont typeface="Wingdings" pitchFamily="2" charset="2"/>
-              <a:buChar char="q"/>
-            </a:pPr>
-            <a:r>
-              <a:rPr lang="en-GB" altLang="en-US" sz="2000" dirty="0">
-                <a:latin typeface="+mj-lt"/>
-              </a:rPr>
-              <a:t>There are </a:t>
-            </a:r>
-            <a:r>
-              <a:rPr lang="en-GB" altLang="en-US" sz="2000" dirty="0">
-                <a:solidFill>
-                  <a:srgbClr val="C00000"/>
-                </a:solidFill>
-                <a:latin typeface="+mj-lt"/>
-              </a:rPr>
-              <a:t>performance shortcomings </a:t>
-            </a:r>
-            <a:r>
-              <a:rPr lang="en-GB" altLang="en-US" sz="2000" dirty="0">
-                <a:latin typeface="+mj-lt"/>
-              </a:rPr>
-              <a:t>in the system, which make it inadequate for the users’ needs. Again, it is either abandoned or amended incurring extra costs.</a:t>
-            </a:r>
-          </a:p>
-          <a:p>
-            <a:pPr>
-              <a:buFont typeface="Wingdings" pitchFamily="2" charset="2"/>
-              <a:buChar char="q"/>
-            </a:pPr>
-            <a:r>
-              <a:rPr lang="en-GB" altLang="en-US" sz="2000" dirty="0">
-                <a:solidFill>
-                  <a:srgbClr val="C00000"/>
-                </a:solidFill>
-                <a:latin typeface="+mj-lt"/>
-              </a:rPr>
-              <a:t>Errors</a:t>
-            </a:r>
-            <a:r>
-              <a:rPr lang="en-GB" altLang="en-US" sz="2000" dirty="0">
-                <a:latin typeface="+mj-lt"/>
-              </a:rPr>
-              <a:t> appear in the developed system causing unexpected problems. </a:t>
-            </a:r>
-            <a:r>
-              <a:rPr lang="en-GB" altLang="en-US" sz="2000" dirty="0">
-                <a:solidFill>
-                  <a:srgbClr val="C00000"/>
-                </a:solidFill>
-                <a:latin typeface="+mj-lt"/>
-              </a:rPr>
-              <a:t>Patches </a:t>
-            </a:r>
-            <a:r>
-              <a:rPr lang="en-GB" altLang="en-US" sz="2000" dirty="0">
-                <a:latin typeface="+mj-lt"/>
-              </a:rPr>
-              <a:t>have to be applied at extra cost.</a:t>
-            </a:r>
-          </a:p>
-          <a:p>
-            <a:pPr>
-              <a:buFont typeface="Wingdings" pitchFamily="2" charset="2"/>
-              <a:buChar char="q"/>
-            </a:pPr>
-            <a:r>
-              <a:rPr lang="en-GB" altLang="en-US" sz="2000" dirty="0">
-                <a:solidFill>
-                  <a:srgbClr val="C00000"/>
-                </a:solidFill>
-                <a:latin typeface="+mj-lt"/>
-              </a:rPr>
-              <a:t>Users reject </a:t>
-            </a:r>
-            <a:r>
-              <a:rPr lang="en-GB" altLang="en-US" sz="2000" dirty="0">
-                <a:latin typeface="+mj-lt"/>
-              </a:rPr>
-              <a:t>the implemented system, lack of involvement in its development or lack of commitment to it.</a:t>
-            </a:r>
-          </a:p>
-          <a:p>
-            <a:pPr>
-              <a:buFont typeface="Wingdings" pitchFamily="2" charset="2"/>
-              <a:buChar char="q"/>
-            </a:pPr>
-            <a:r>
-              <a:rPr lang="en-GB" altLang="en-US" sz="2000" dirty="0">
-                <a:latin typeface="+mj-lt"/>
-              </a:rPr>
-              <a:t>Systems are initially accepted but over time </a:t>
-            </a:r>
-            <a:r>
-              <a:rPr lang="en-GB" altLang="en-US" sz="2000" dirty="0">
-                <a:solidFill>
-                  <a:srgbClr val="C00000"/>
-                </a:solidFill>
-                <a:latin typeface="+mj-lt"/>
-              </a:rPr>
-              <a:t>become un-maintainable </a:t>
-            </a:r>
-            <a:r>
-              <a:rPr lang="en-GB" altLang="en-US" sz="2000" dirty="0">
-                <a:latin typeface="+mj-lt"/>
-              </a:rPr>
-              <a:t>and so pass into disuse.</a:t>
-            </a:r>
-            <a:endParaRPr lang="en-GB" sz="2000" dirty="0">
-              <a:solidFill>
-                <a:srgbClr val="C00000"/>
-              </a:solidFill>
-              <a:latin typeface="+mj-lt"/>
-            </a:endParaRPr>
-          </a:p>
-        </p:txBody>
-      </p:sp>
-      <p:sp>
-        <p:nvSpPr>
-          <p:cNvPr id="5" name="Slide Number Placeholder 3"/>
-          <p:cNvSpPr txBox="1">
-            <a:spLocks/>
-          </p:cNvSpPr>
-          <p:nvPr/>
-        </p:nvSpPr>
-        <p:spPr>
-          <a:xfrm>
-            <a:off x="11766177" y="605118"/>
-            <a:ext cx="242047" cy="774419"/>
-          </a:xfrm>
-          <a:prstGeom prst="rect">
-            <a:avLst/>
-          </a:prstGeom>
-        </p:spPr>
-        <p:txBody>
-          <a:bodyPr vert="vert270" lIns="91440" tIns="45720" rIns="91440" bIns="45720" rtlCol="0" anchor="ctr"/>
-          <a:lstStyle/>
-          <a:p>
-            <a:pPr marL="0" marR="0" lvl="0" indent="0" algn="r" defTabSz="457200" rtl="0" eaLnBrk="1" fontAlgn="auto" latinLnBrk="0" hangingPunct="1">
-              <a:lnSpc>
-                <a:spcPct val="100000"/>
-              </a:lnSpc>
-              <a:spcBef>
-                <a:spcPts val="0"/>
-              </a:spcBef>
-              <a:spcAft>
-                <a:spcPts val="0"/>
-              </a:spcAft>
-              <a:buClrTx/>
-              <a:buSzTx/>
-              <a:buFontTx/>
-              <a:buNone/>
-              <a:tabLst/>
-              <a:defRPr/>
-            </a:pPr>
-            <a:r>
-              <a:rPr kumimoji="0" lang="en-US" sz="1400" b="1" i="0" u="none" strike="noStrike" kern="1200" cap="none" spc="0" normalizeH="0" baseline="0" noProof="0" dirty="0">
-                <a:ln>
-                  <a:noFill/>
-                </a:ln>
-                <a:solidFill>
-                  <a:schemeClr val="accent2"/>
-                </a:solidFill>
-                <a:effectLst/>
-                <a:uLnTx/>
-                <a:uFillTx/>
-                <a:latin typeface="+mn-lt"/>
-                <a:ea typeface="+mn-ea"/>
-                <a:cs typeface="+mn-cs"/>
-              </a:rPr>
-              <a:t>Slide - </a:t>
-            </a:r>
-            <a:fld id="{D57F1E4F-1CFF-5643-939E-217C01CDF565}" type="slidenum">
-              <a:rPr kumimoji="0" lang="en-US" sz="1400" b="1" i="0" u="none" strike="noStrike" kern="1200" cap="none" spc="0" normalizeH="0" baseline="0" noProof="0" smtClean="0">
-                <a:ln>
-                  <a:noFill/>
-                </a:ln>
-                <a:solidFill>
-                  <a:schemeClr val="accent2"/>
-                </a:solidFill>
-                <a:effectLst/>
-                <a:uLnTx/>
-                <a:uFillTx/>
-                <a:latin typeface="+mn-lt"/>
-                <a:ea typeface="+mn-ea"/>
-                <a:cs typeface="+mn-cs"/>
-              </a:rPr>
-              <a:pPr marL="0" marR="0" lvl="0" indent="0" algn="r" defTabSz="457200" rtl="0" eaLnBrk="1" fontAlgn="auto" latinLnBrk="0" hangingPunct="1">
-                <a:lnSpc>
-                  <a:spcPct val="100000"/>
-                </a:lnSpc>
-                <a:spcBef>
-                  <a:spcPts val="0"/>
-                </a:spcBef>
-                <a:spcAft>
-                  <a:spcPts val="0"/>
-                </a:spcAft>
-                <a:buClrTx/>
-                <a:buSzTx/>
-                <a:buFontTx/>
-                <a:buNone/>
-                <a:tabLst/>
-                <a:defRPr/>
-              </a:pPr>
-              <a:t>14</a:t>
-            </a:fld>
-            <a:endParaRPr kumimoji="0" lang="en-US" sz="1400" b="1" i="0" u="none" strike="noStrike" kern="1200" cap="none" spc="0" normalizeH="0" baseline="0" noProof="0" dirty="0">
-              <a:ln>
-                <a:noFill/>
-              </a:ln>
-              <a:solidFill>
-                <a:schemeClr val="accent2"/>
-              </a:solidFill>
-              <a:effectLst/>
-              <a:uLnTx/>
-              <a:uFillTx/>
-              <a:latin typeface="+mn-lt"/>
-              <a:ea typeface="+mn-ea"/>
-              <a:cs typeface="+mn-cs"/>
-            </a:endParaRPr>
-          </a:p>
-        </p:txBody>
-      </p:sp>
-      <p:sp>
-        <p:nvSpPr>
-          <p:cNvPr id="6" name="Content Placeholder 2"/>
-          <p:cNvSpPr txBox="1">
-            <a:spLocks/>
-          </p:cNvSpPr>
-          <p:nvPr/>
-        </p:nvSpPr>
-        <p:spPr>
-          <a:xfrm>
-            <a:off x="11551428" y="6582157"/>
-            <a:ext cx="640572" cy="275843"/>
-          </a:xfrm>
-          <a:prstGeom prst="rect">
-            <a:avLst/>
-          </a:prstGeom>
-        </p:spPr>
-        <p:txBody>
-          <a:bodyPr vert="horz" lIns="91440" tIns="45720" rIns="91440" bIns="45720" rtlCol="0" anchor="ctr">
-            <a:normAutofit fontScale="40000" lnSpcReduction="20000"/>
-          </a:bodyPr>
-          <a:lstStyle/>
-          <a:p>
-            <a:pPr marL="0" marR="0" lvl="0" indent="0" algn="ctr" defTabSz="457200" rtl="0" eaLnBrk="1" fontAlgn="auto" latinLnBrk="0" hangingPunct="1">
-              <a:lnSpc>
-                <a:spcPct val="100000"/>
-              </a:lnSpc>
-              <a:spcBef>
-                <a:spcPct val="20000"/>
-              </a:spcBef>
-              <a:spcAft>
-                <a:spcPts val="600"/>
-              </a:spcAft>
-              <a:buClr>
-                <a:schemeClr val="accent2"/>
-              </a:buClr>
-              <a:buSzPct val="92000"/>
-              <a:buFont typeface="Wingdings 2" panose="05020102010507070707" pitchFamily="18" charset="2"/>
-              <a:buNone/>
-              <a:tabLst/>
-              <a:defRPr/>
-            </a:pPr>
-            <a:r>
-              <a:rPr kumimoji="0" lang="en-US" sz="3800" b="0" i="0" u="none" strike="noStrike" kern="1200" cap="none" spc="0" normalizeH="0" baseline="0" noProof="0" dirty="0">
-                <a:ln>
-                  <a:noFill/>
-                </a:ln>
-                <a:solidFill>
-                  <a:schemeClr val="bg1">
-                    <a:lumMod val="50000"/>
-                  </a:schemeClr>
-                </a:solidFill>
-                <a:effectLst/>
-                <a:uLnTx/>
-                <a:uFillTx/>
-                <a:latin typeface="+mn-lt"/>
-                <a:ea typeface="+mn-ea"/>
-                <a:cs typeface="+mn-cs"/>
-              </a:rPr>
-              <a:t>SB</a:t>
-            </a:r>
-          </a:p>
-        </p:txBody>
-      </p:sp>
-    </p:spTree>
-    <p:extLst>
-      <p:ext uri="{BB962C8B-B14F-4D97-AF65-F5344CB8AC3E}">
-        <p14:creationId xmlns:p14="http://schemas.microsoft.com/office/powerpoint/2010/main" val="2980895392"/>
-      </p:ext>
-    </p:extLst>
-  </p:cSld>
-  <p:clrMapOvr>
-    <a:masterClrMapping/>
-  </p:clrMapOvr>
-</p:sld>
-</file>
-
-<file path=ppt/slides/slide15.xml><?xml version="1.0" encoding="utf-8"?>
-<p:sld xmlns:a="http://schemas.openxmlformats.org/drawingml/2006/main" xmlns:r="http://schemas.openxmlformats.org/officeDocument/2006/relationships" xmlns:p="http://schemas.openxmlformats.org/presentationml/2006/main">
-  <p:cSld>
-    <p:spTree>
-      <p:nvGrpSpPr>
-        <p:cNvPr id="1" name=""/>
-        <p:cNvGrpSpPr/>
-        <p:nvPr/>
-      </p:nvGrpSpPr>
-      <p:grpSpPr>
-        <a:xfrm>
-          <a:off x="0" y="0"/>
-          <a:ext cx="0" cy="0"/>
-          <a:chOff x="0" y="0"/>
-          <a:chExt cx="0" cy="0"/>
-        </a:xfrm>
-      </p:grpSpPr>
-      <p:sp>
-        <p:nvSpPr>
-          <p:cNvPr id="2" name="Title 1"/>
-          <p:cNvSpPr>
-            <a:spLocks noGrp="1"/>
-          </p:cNvSpPr>
-          <p:nvPr>
-            <p:ph type="title"/>
-          </p:nvPr>
-        </p:nvSpPr>
-        <p:spPr/>
-        <p:txBody>
-          <a:bodyPr/>
-          <a:lstStyle/>
-          <a:p>
-            <a:r>
-              <a:rPr lang="en-GB" dirty="0"/>
-              <a:t>references</a:t>
-            </a:r>
-          </a:p>
-        </p:txBody>
-      </p:sp>
-      <p:sp>
-        <p:nvSpPr>
-          <p:cNvPr id="3" name="Content Placeholder 2"/>
-          <p:cNvSpPr>
-            <a:spLocks noGrp="1"/>
-          </p:cNvSpPr>
-          <p:nvPr>
-            <p:ph idx="1"/>
-          </p:nvPr>
-        </p:nvSpPr>
-        <p:spPr>
-          <a:xfrm>
-            <a:off x="790200" y="2063932"/>
-            <a:ext cx="10953310" cy="2625634"/>
-          </a:xfrm>
-        </p:spPr>
-        <p:txBody>
-          <a:bodyPr>
-            <a:normAutofit/>
-          </a:bodyPr>
-          <a:lstStyle/>
-          <a:p>
-            <a:pPr>
-              <a:defRPr/>
-            </a:pPr>
-            <a:r>
-              <a:rPr lang="en-US" sz="2000" dirty="0">
-                <a:ea typeface="ＭＳ Ｐゴシック" pitchFamily="34" charset="-128"/>
-              </a:rPr>
-              <a:t>R.S. Pressman &amp; Associates, Inc. (2010). </a:t>
-            </a:r>
-            <a:r>
-              <a:rPr lang="en-US" sz="2000" i="1" dirty="0">
-                <a:ea typeface="ＭＳ Ｐゴシック" pitchFamily="34" charset="-128"/>
-              </a:rPr>
-              <a:t>Software Engineering: A Practitioner’s Approach.</a:t>
-            </a:r>
-          </a:p>
-          <a:p>
-            <a:pPr>
-              <a:defRPr/>
-            </a:pPr>
-            <a:r>
-              <a:rPr lang="en-US" sz="2000" dirty="0"/>
-              <a:t>Kelly, J. C., </a:t>
-            </a:r>
-            <a:r>
-              <a:rPr lang="en-US" sz="2000" dirty="0" err="1"/>
-              <a:t>Sherif</a:t>
-            </a:r>
-            <a:r>
-              <a:rPr lang="en-US" sz="2000" dirty="0"/>
-              <a:t>, J. S., &amp; Hops, J. (1992). An analysis of defect densities found during software inspections. </a:t>
-            </a:r>
-            <a:r>
-              <a:rPr lang="en-US" sz="2000" i="1" dirty="0"/>
-              <a:t>Journal of Systems and Software</a:t>
-            </a:r>
-            <a:r>
-              <a:rPr lang="en-US" sz="2000" dirty="0"/>
-              <a:t>, </a:t>
-            </a:r>
-            <a:r>
-              <a:rPr lang="en-US" sz="2000" i="1" dirty="0"/>
-              <a:t>17</a:t>
-            </a:r>
-            <a:r>
-              <a:rPr lang="en-US" sz="2000" dirty="0"/>
-              <a:t>(2), 111-117.</a:t>
-            </a:r>
-          </a:p>
-          <a:p>
-            <a:pPr>
-              <a:defRPr/>
-            </a:pPr>
-            <a:r>
-              <a:rPr lang="en-US" sz="2000" dirty="0"/>
-              <a:t>Bhandari, I., Halliday, M. J., </a:t>
-            </a:r>
-            <a:r>
-              <a:rPr lang="en-US" sz="2000" dirty="0" err="1"/>
-              <a:t>Chaar</a:t>
-            </a:r>
-            <a:r>
-              <a:rPr lang="en-US" sz="2000" dirty="0"/>
-              <a:t>, J., </a:t>
-            </a:r>
-            <a:r>
-              <a:rPr lang="en-US" sz="2000" dirty="0" err="1"/>
-              <a:t>Chillarege</a:t>
-            </a:r>
-            <a:r>
-              <a:rPr lang="en-US" sz="2000" dirty="0"/>
-              <a:t>, R., Jones, K., Atkinson, J. S., &amp; </a:t>
-            </a:r>
-            <a:r>
-              <a:rPr lang="en-US" sz="2000" dirty="0" err="1"/>
-              <a:t>Yonezawa</a:t>
-            </a:r>
-            <a:r>
-              <a:rPr lang="en-US" sz="2000" dirty="0"/>
-              <a:t>, M. (1994).</a:t>
-            </a:r>
-            <a:br>
-              <a:rPr lang="en-US" sz="2000" dirty="0"/>
-            </a:br>
-            <a:r>
-              <a:rPr lang="en-US" sz="2000" dirty="0"/>
-              <a:t>In-process improvement through defect data interpretation. </a:t>
-            </a:r>
-            <a:r>
-              <a:rPr lang="en-US" sz="2000" i="1" dirty="0"/>
-              <a:t>IBM Systems Journal</a:t>
-            </a:r>
-            <a:r>
-              <a:rPr lang="en-US" sz="2000" dirty="0"/>
-              <a:t>, </a:t>
-            </a:r>
-            <a:r>
-              <a:rPr lang="en-US" sz="2000" i="1" dirty="0"/>
-              <a:t>33</a:t>
-            </a:r>
-            <a:r>
-              <a:rPr lang="en-US" sz="2000" dirty="0"/>
-              <a:t>(1), 182-214.</a:t>
-            </a:r>
-            <a:endParaRPr lang="en-US" sz="2000" dirty="0">
-              <a:ea typeface="ＭＳ Ｐゴシック" pitchFamily="34" charset="-128"/>
-            </a:endParaRPr>
-          </a:p>
-          <a:p>
-            <a:pPr>
-              <a:defRPr/>
-            </a:pPr>
-            <a:endParaRPr lang="en-US" altLang="zh-TW" sz="2000" dirty="0">
-              <a:solidFill>
-                <a:srgbClr val="00B050"/>
-              </a:solidFill>
-              <a:latin typeface="+mj-lt"/>
-              <a:ea typeface="PMingLiU" pitchFamily="18" charset="-120"/>
-            </a:endParaRPr>
-          </a:p>
-        </p:txBody>
-      </p:sp>
-      <p:sp>
-        <p:nvSpPr>
-          <p:cNvPr id="6" name="Slide Number Placeholder 3"/>
-          <p:cNvSpPr txBox="1">
-            <a:spLocks/>
-          </p:cNvSpPr>
-          <p:nvPr/>
-        </p:nvSpPr>
-        <p:spPr>
-          <a:xfrm>
-            <a:off x="11665746" y="587829"/>
-            <a:ext cx="425823" cy="1225165"/>
-          </a:xfrm>
-          <a:prstGeom prst="rect">
-            <a:avLst/>
-          </a:prstGeom>
-        </p:spPr>
-        <p:txBody>
-          <a:bodyPr vert="vert270" lIns="91440" tIns="45720" rIns="91440" bIns="45720" rtlCol="0" anchor="ctr"/>
-          <a:lstStyle/>
-          <a:p>
-            <a:pPr marL="0" marR="0" lvl="0" indent="0" algn="r" defTabSz="457200" rtl="0" eaLnBrk="1" fontAlgn="auto" latinLnBrk="0" hangingPunct="1">
-              <a:lnSpc>
-                <a:spcPct val="100000"/>
-              </a:lnSpc>
-              <a:spcBef>
-                <a:spcPts val="0"/>
-              </a:spcBef>
-              <a:spcAft>
-                <a:spcPts val="0"/>
-              </a:spcAft>
-              <a:buClrTx/>
-              <a:buSzTx/>
-              <a:buFontTx/>
-              <a:buNone/>
-              <a:tabLst/>
-              <a:defRPr/>
-            </a:pPr>
-            <a:r>
-              <a:rPr kumimoji="0" lang="en-US" sz="1400" b="1" i="0" u="none" strike="noStrike" kern="1200" cap="none" spc="0" normalizeH="0" baseline="0" noProof="0" dirty="0">
-                <a:ln>
-                  <a:noFill/>
-                </a:ln>
-                <a:solidFill>
-                  <a:schemeClr val="accent2"/>
-                </a:solidFill>
-                <a:effectLst/>
-                <a:uLnTx/>
-                <a:uFillTx/>
-                <a:latin typeface="+mn-lt"/>
-                <a:ea typeface="+mn-ea"/>
-                <a:cs typeface="+mn-cs"/>
-              </a:rPr>
-              <a:t>Slide - 15</a:t>
-            </a:r>
-          </a:p>
-        </p:txBody>
-      </p:sp>
-      <p:sp>
-        <p:nvSpPr>
-          <p:cNvPr id="4" name="Content Placeholder 2">
-            <a:extLst>
-              <a:ext uri="{FF2B5EF4-FFF2-40B4-BE49-F238E27FC236}">
-                <a16:creationId xmlns:a16="http://schemas.microsoft.com/office/drawing/2014/main" id="{25312C3B-B9B9-5739-8FF4-272BFD29E158}"/>
-              </a:ext>
-            </a:extLst>
-          </p:cNvPr>
-          <p:cNvSpPr txBox="1">
-            <a:spLocks/>
-          </p:cNvSpPr>
-          <p:nvPr/>
-        </p:nvSpPr>
-        <p:spPr>
-          <a:xfrm>
-            <a:off x="11551428" y="6582157"/>
-            <a:ext cx="640572" cy="275843"/>
-          </a:xfrm>
-          <a:prstGeom prst="rect">
-            <a:avLst/>
-          </a:prstGeom>
-        </p:spPr>
-        <p:txBody>
-          <a:bodyPr vert="horz" lIns="91440" tIns="45720" rIns="91440" bIns="45720" rtlCol="0" anchor="ctr">
-            <a:normAutofit fontScale="40000" lnSpcReduction="20000"/>
-          </a:bodyPr>
-          <a:lstStyle/>
-          <a:p>
-            <a:pPr marL="0" marR="0" lvl="0" indent="0" algn="ctr" defTabSz="457200" rtl="0" eaLnBrk="1" fontAlgn="auto" latinLnBrk="0" hangingPunct="1">
-              <a:lnSpc>
-                <a:spcPct val="100000"/>
-              </a:lnSpc>
-              <a:spcBef>
-                <a:spcPct val="20000"/>
-              </a:spcBef>
-              <a:spcAft>
-                <a:spcPts val="600"/>
-              </a:spcAft>
-              <a:buClr>
-                <a:schemeClr val="accent2"/>
-              </a:buClr>
-              <a:buSzPct val="92000"/>
-              <a:buFont typeface="Wingdings 2" panose="05020102010507070707" pitchFamily="18" charset="2"/>
-              <a:buNone/>
-              <a:tabLst/>
-              <a:defRPr/>
-            </a:pPr>
-            <a:r>
-              <a:rPr kumimoji="0" lang="en-US" sz="3800" b="0" i="0" u="none" strike="noStrike" kern="1200" cap="none" spc="0" normalizeH="0" baseline="0" noProof="0" dirty="0">
-                <a:ln>
-                  <a:noFill/>
-                </a:ln>
-                <a:solidFill>
-                  <a:schemeClr val="bg1">
-                    <a:lumMod val="50000"/>
-                  </a:schemeClr>
-                </a:solidFill>
-                <a:effectLst/>
-                <a:uLnTx/>
-                <a:uFillTx/>
-                <a:latin typeface="+mn-lt"/>
-                <a:ea typeface="+mn-ea"/>
-                <a:cs typeface="+mn-cs"/>
-              </a:rPr>
-              <a:t>SB</a:t>
-            </a:r>
-          </a:p>
-        </p:txBody>
-      </p:sp>
-    </p:spTree>
-    <p:extLst>
-      <p:ext uri="{BB962C8B-B14F-4D97-AF65-F5344CB8AC3E}">
-        <p14:creationId xmlns:p14="http://schemas.microsoft.com/office/powerpoint/2010/main" val="64039236"/>
       </p:ext>
     </p:extLst>
   </p:cSld>
@@ -10677,749 +8278,6 @@
             <a:extLst>
               <a:ext uri="{FF2B5EF4-FFF2-40B4-BE49-F238E27FC236}">
                 <a16:creationId xmlns:a16="http://schemas.microsoft.com/office/drawing/2014/main" id="{443F4437-BB4E-D0B6-96B1-1E9871A28BF5}"/>
-              </a:ext>
-            </a:extLst>
-          </p:cNvPr>
-          <p:cNvSpPr txBox="1">
-            <a:spLocks/>
-          </p:cNvSpPr>
-          <p:nvPr/>
-        </p:nvSpPr>
-        <p:spPr>
-          <a:xfrm>
-            <a:off x="11551428" y="6582157"/>
-            <a:ext cx="640572" cy="275843"/>
-          </a:xfrm>
-          <a:prstGeom prst="rect">
-            <a:avLst/>
-          </a:prstGeom>
-        </p:spPr>
-        <p:txBody>
-          <a:bodyPr vert="horz" lIns="91440" tIns="45720" rIns="91440" bIns="45720" rtlCol="0" anchor="ctr">
-            <a:normAutofit fontScale="40000" lnSpcReduction="20000"/>
-          </a:bodyPr>
-          <a:lstStyle/>
-          <a:p>
-            <a:pPr marL="0" marR="0" lvl="0" indent="0" algn="ctr" defTabSz="457200" rtl="0" eaLnBrk="1" fontAlgn="auto" latinLnBrk="0" hangingPunct="1">
-              <a:lnSpc>
-                <a:spcPct val="100000"/>
-              </a:lnSpc>
-              <a:spcBef>
-                <a:spcPct val="20000"/>
-              </a:spcBef>
-              <a:spcAft>
-                <a:spcPts val="600"/>
-              </a:spcAft>
-              <a:buClr>
-                <a:schemeClr val="accent2"/>
-              </a:buClr>
-              <a:buSzPct val="92000"/>
-              <a:buFont typeface="Wingdings 2" panose="05020102010507070707" pitchFamily="18" charset="2"/>
-              <a:buNone/>
-              <a:tabLst/>
-              <a:defRPr/>
-            </a:pPr>
-            <a:r>
-              <a:rPr kumimoji="0" lang="en-US" sz="3800" b="0" i="0" u="none" strike="noStrike" kern="1200" cap="none" spc="0" normalizeH="0" baseline="0" noProof="0" dirty="0">
-                <a:ln>
-                  <a:noFill/>
-                </a:ln>
-                <a:solidFill>
-                  <a:schemeClr val="bg1">
-                    <a:lumMod val="50000"/>
-                  </a:schemeClr>
-                </a:solidFill>
-                <a:effectLst/>
-                <a:uLnTx/>
-                <a:uFillTx/>
-                <a:latin typeface="+mn-lt"/>
-                <a:ea typeface="+mn-ea"/>
-                <a:cs typeface="+mn-cs"/>
-              </a:rPr>
-              <a:t>SB</a:t>
-            </a:r>
-          </a:p>
-        </p:txBody>
-      </p:sp>
-    </p:spTree>
-    <p:extLst>
-      <p:ext uri="{BB962C8B-B14F-4D97-AF65-F5344CB8AC3E}">
-        <p14:creationId xmlns:p14="http://schemas.microsoft.com/office/powerpoint/2010/main" val="3411684674"/>
-      </p:ext>
-    </p:extLst>
-  </p:cSld>
-  <p:clrMapOvr>
-    <a:masterClrMapping/>
-  </p:clrMapOvr>
-</p:sld>
-</file>
-
-<file path=ppt/slides/slide8.xml><?xml version="1.0" encoding="utf-8"?>
-<p:sld xmlns:a="http://schemas.openxmlformats.org/drawingml/2006/main" xmlns:r="http://schemas.openxmlformats.org/officeDocument/2006/relationships" xmlns:p="http://schemas.openxmlformats.org/presentationml/2006/main">
-  <p:cSld>
-    <p:spTree>
-      <p:nvGrpSpPr>
-        <p:cNvPr id="1" name=""/>
-        <p:cNvGrpSpPr/>
-        <p:nvPr/>
-      </p:nvGrpSpPr>
-      <p:grpSpPr>
-        <a:xfrm>
-          <a:off x="0" y="0"/>
-          <a:ext cx="0" cy="0"/>
-          <a:chOff x="0" y="0"/>
-          <a:chExt cx="0" cy="0"/>
-        </a:xfrm>
-      </p:grpSpPr>
-      <p:sp>
-        <p:nvSpPr>
-          <p:cNvPr id="2" name="Title 1"/>
-          <p:cNvSpPr>
-            <a:spLocks noGrp="1"/>
-          </p:cNvSpPr>
-          <p:nvPr>
-            <p:ph type="title"/>
-          </p:nvPr>
-        </p:nvSpPr>
-        <p:spPr/>
-        <p:txBody>
-          <a:bodyPr/>
-          <a:lstStyle/>
-          <a:p>
-            <a:r>
-              <a:rPr lang="en-GB" dirty="0"/>
-              <a:t>Faults in software development phases</a:t>
-            </a:r>
-          </a:p>
-        </p:txBody>
-      </p:sp>
-      <p:sp>
-        <p:nvSpPr>
-          <p:cNvPr id="3" name="Content Placeholder 2"/>
-          <p:cNvSpPr>
-            <a:spLocks noGrp="1"/>
-          </p:cNvSpPr>
-          <p:nvPr>
-            <p:ph idx="1"/>
-          </p:nvPr>
-        </p:nvSpPr>
-        <p:spPr>
-          <a:xfrm>
-            <a:off x="737947" y="1998618"/>
-            <a:ext cx="10953310" cy="4519748"/>
-          </a:xfrm>
-        </p:spPr>
-        <p:txBody>
-          <a:bodyPr>
-            <a:normAutofit fontScale="85000" lnSpcReduction="20000"/>
-          </a:bodyPr>
-          <a:lstStyle/>
-          <a:p>
-            <a:pPr>
-              <a:lnSpc>
-                <a:spcPct val="90000"/>
-              </a:lnSpc>
-              <a:buFont typeface="Wingdings" pitchFamily="2" charset="2"/>
-              <a:buChar char="q"/>
-            </a:pPr>
-            <a:r>
-              <a:rPr lang="zh-TW" altLang="en-US" sz="2600" dirty="0">
-                <a:latin typeface="+mj-lt"/>
-                <a:ea typeface="PMingLiU" pitchFamily="18" charset="-120"/>
-              </a:rPr>
-              <a:t>60 </a:t>
-            </a:r>
-            <a:r>
-              <a:rPr lang="en-US" altLang="zh-TW" sz="2600" dirty="0">
-                <a:latin typeface="+mj-lt"/>
-                <a:ea typeface="PMingLiU" pitchFamily="18" charset="-120"/>
-              </a:rPr>
-              <a:t>to 70 percent of faults are specification and design  faults</a:t>
-            </a:r>
-          </a:p>
-          <a:p>
-            <a:pPr>
-              <a:lnSpc>
-                <a:spcPct val="90000"/>
-              </a:lnSpc>
-              <a:buFont typeface="Wingdings" pitchFamily="2" charset="2"/>
-              <a:buChar char="q"/>
-            </a:pPr>
-            <a:endParaRPr lang="en-US" altLang="zh-TW" sz="2600" dirty="0">
-              <a:latin typeface="+mj-lt"/>
-              <a:ea typeface="PMingLiU" pitchFamily="18" charset="-120"/>
-            </a:endParaRPr>
-          </a:p>
-          <a:p>
-            <a:pPr>
-              <a:lnSpc>
-                <a:spcPct val="90000"/>
-              </a:lnSpc>
-              <a:buFont typeface="Wingdings" pitchFamily="2" charset="2"/>
-              <a:buChar char="q"/>
-            </a:pPr>
-            <a:r>
-              <a:rPr lang="en-US" altLang="zh-TW" sz="2600" dirty="0">
-                <a:solidFill>
-                  <a:srgbClr val="0070C0"/>
-                </a:solidFill>
-                <a:latin typeface="+mj-lt"/>
-                <a:ea typeface="PMingLiU" pitchFamily="18" charset="-120"/>
-              </a:rPr>
-              <a:t>Data of Kelly, </a:t>
-            </a:r>
-            <a:r>
-              <a:rPr lang="en-US" altLang="zh-TW" sz="2600" dirty="0" err="1">
-                <a:solidFill>
-                  <a:srgbClr val="0070C0"/>
-                </a:solidFill>
-                <a:latin typeface="+mj-lt"/>
-                <a:ea typeface="PMingLiU" pitchFamily="18" charset="-120"/>
-              </a:rPr>
-              <a:t>Sherif</a:t>
-            </a:r>
-            <a:r>
-              <a:rPr lang="en-US" altLang="zh-TW" sz="2600" dirty="0">
-                <a:solidFill>
-                  <a:srgbClr val="0070C0"/>
-                </a:solidFill>
-                <a:latin typeface="+mj-lt"/>
-                <a:ea typeface="PMingLiU" pitchFamily="18" charset="-120"/>
-              </a:rPr>
-              <a:t>, and Hops [1992]</a:t>
-            </a:r>
-          </a:p>
-          <a:p>
-            <a:pPr lvl="1">
-              <a:lnSpc>
-                <a:spcPct val="90000"/>
-              </a:lnSpc>
-              <a:buFont typeface="Wingdings" pitchFamily="2" charset="2"/>
-              <a:buChar char="§"/>
-            </a:pPr>
-            <a:r>
-              <a:rPr lang="en-US" altLang="zh-TW" sz="2600" dirty="0">
-                <a:solidFill>
-                  <a:srgbClr val="C00000"/>
-                </a:solidFill>
-                <a:latin typeface="+mj-lt"/>
-                <a:ea typeface="PMingLiU" pitchFamily="18" charset="-120"/>
-              </a:rPr>
-              <a:t>  1.9 faults per page of specification</a:t>
-            </a:r>
-          </a:p>
-          <a:p>
-            <a:pPr lvl="1">
-              <a:lnSpc>
-                <a:spcPct val="90000"/>
-              </a:lnSpc>
-              <a:buFont typeface="Wingdings" pitchFamily="2" charset="2"/>
-              <a:buChar char="§"/>
-            </a:pPr>
-            <a:r>
-              <a:rPr lang="en-US" altLang="zh-TW" sz="2600" dirty="0">
-                <a:solidFill>
-                  <a:srgbClr val="C00000"/>
-                </a:solidFill>
-                <a:latin typeface="+mj-lt"/>
-                <a:ea typeface="PMingLiU" pitchFamily="18" charset="-120"/>
-              </a:rPr>
-              <a:t>  0.9 faults per page of design</a:t>
-            </a:r>
-          </a:p>
-          <a:p>
-            <a:pPr lvl="1">
-              <a:lnSpc>
-                <a:spcPct val="90000"/>
-              </a:lnSpc>
-              <a:buFont typeface="Wingdings" pitchFamily="2" charset="2"/>
-              <a:buChar char="§"/>
-            </a:pPr>
-            <a:r>
-              <a:rPr lang="en-US" altLang="zh-TW" sz="2600" dirty="0">
-                <a:solidFill>
-                  <a:srgbClr val="C00000"/>
-                </a:solidFill>
-                <a:latin typeface="+mj-lt"/>
-                <a:ea typeface="PMingLiU" pitchFamily="18" charset="-120"/>
-              </a:rPr>
-              <a:t>  0.3 faults per page of code</a:t>
-            </a:r>
-          </a:p>
-          <a:p>
-            <a:pPr>
-              <a:lnSpc>
-                <a:spcPct val="90000"/>
-              </a:lnSpc>
-            </a:pPr>
-            <a:endParaRPr lang="en-US" altLang="zh-TW" sz="2600" dirty="0">
-              <a:latin typeface="+mj-lt"/>
-              <a:ea typeface="PMingLiU" pitchFamily="18" charset="-120"/>
-            </a:endParaRPr>
-          </a:p>
-          <a:p>
-            <a:pPr>
-              <a:lnSpc>
-                <a:spcPct val="90000"/>
-              </a:lnSpc>
-              <a:buFont typeface="Wingdings" pitchFamily="2" charset="2"/>
-              <a:buChar char="q"/>
-            </a:pPr>
-            <a:r>
-              <a:rPr lang="en-US" altLang="zh-TW" sz="2600" dirty="0">
-                <a:solidFill>
-                  <a:srgbClr val="0070C0"/>
-                </a:solidFill>
-                <a:latin typeface="+mj-lt"/>
-                <a:ea typeface="PMingLiU" pitchFamily="18" charset="-120"/>
-              </a:rPr>
-              <a:t>Data of Bhandari et al. [1994]</a:t>
-            </a:r>
-          </a:p>
-          <a:p>
-            <a:pPr>
-              <a:lnSpc>
-                <a:spcPct val="90000"/>
-              </a:lnSpc>
-              <a:buNone/>
-            </a:pPr>
-            <a:r>
-              <a:rPr lang="en-US" altLang="zh-TW" sz="2600" b="1" dirty="0">
-                <a:solidFill>
-                  <a:srgbClr val="C00000"/>
-                </a:solidFill>
-                <a:latin typeface="+mj-lt"/>
-                <a:ea typeface="PMingLiU" pitchFamily="18" charset="-120"/>
-              </a:rPr>
-              <a:t>      </a:t>
-            </a:r>
-            <a:r>
-              <a:rPr lang="en-US" altLang="zh-TW" sz="2600" dirty="0">
-                <a:latin typeface="+mj-lt"/>
-                <a:ea typeface="PMingLiU" pitchFamily="18" charset="-120"/>
-              </a:rPr>
-              <a:t>Faults at end of the design phase of the new version of the product</a:t>
-            </a:r>
-          </a:p>
-          <a:p>
-            <a:pPr lvl="1">
-              <a:lnSpc>
-                <a:spcPct val="90000"/>
-              </a:lnSpc>
-            </a:pPr>
-            <a:r>
-              <a:rPr lang="en-US" altLang="zh-TW" sz="2600" dirty="0">
-                <a:solidFill>
-                  <a:srgbClr val="C00000"/>
-                </a:solidFill>
-                <a:latin typeface="+mj-lt"/>
-                <a:ea typeface="PMingLiU" pitchFamily="18" charset="-120"/>
-              </a:rPr>
-              <a:t>13% of faults from previous version of product</a:t>
-            </a:r>
-          </a:p>
-          <a:p>
-            <a:pPr lvl="1">
-              <a:lnSpc>
-                <a:spcPct val="90000"/>
-              </a:lnSpc>
-            </a:pPr>
-            <a:r>
-              <a:rPr lang="en-US" altLang="zh-TW" sz="2600" dirty="0">
-                <a:solidFill>
-                  <a:srgbClr val="C00000"/>
-                </a:solidFill>
-                <a:latin typeface="+mj-lt"/>
-                <a:ea typeface="PMingLiU" pitchFamily="18" charset="-120"/>
-              </a:rPr>
-              <a:t>16% of faults in new specifications</a:t>
-            </a:r>
-          </a:p>
-          <a:p>
-            <a:pPr lvl="1">
-              <a:lnSpc>
-                <a:spcPct val="90000"/>
-              </a:lnSpc>
-            </a:pPr>
-            <a:r>
-              <a:rPr lang="en-US" altLang="zh-TW" sz="2600" dirty="0">
-                <a:solidFill>
-                  <a:srgbClr val="C00000"/>
-                </a:solidFill>
-                <a:latin typeface="+mj-lt"/>
-                <a:ea typeface="PMingLiU" pitchFamily="18" charset="-120"/>
-              </a:rPr>
-              <a:t>71% of faults in new design</a:t>
-            </a:r>
-            <a:endParaRPr lang="en-US" altLang="zh-TW" sz="2200" dirty="0">
-              <a:solidFill>
-                <a:srgbClr val="00B050"/>
-              </a:solidFill>
-              <a:latin typeface="+mj-lt"/>
-              <a:ea typeface="PMingLiU" pitchFamily="18" charset="-120"/>
-            </a:endParaRPr>
-          </a:p>
-        </p:txBody>
-      </p:sp>
-      <p:sp>
-        <p:nvSpPr>
-          <p:cNvPr id="6" name="Slide Number Placeholder 3"/>
-          <p:cNvSpPr txBox="1">
-            <a:spLocks/>
-          </p:cNvSpPr>
-          <p:nvPr/>
-        </p:nvSpPr>
-        <p:spPr>
-          <a:xfrm>
-            <a:off x="11665746" y="587829"/>
-            <a:ext cx="425823" cy="1225165"/>
-          </a:xfrm>
-          <a:prstGeom prst="rect">
-            <a:avLst/>
-          </a:prstGeom>
-        </p:spPr>
-        <p:txBody>
-          <a:bodyPr vert="vert270" lIns="91440" tIns="45720" rIns="91440" bIns="45720" rtlCol="0" anchor="ctr"/>
-          <a:lstStyle/>
-          <a:p>
-            <a:pPr marL="0" marR="0" lvl="0" indent="0" algn="r" defTabSz="457200" rtl="0" eaLnBrk="1" fontAlgn="auto" latinLnBrk="0" hangingPunct="1">
-              <a:lnSpc>
-                <a:spcPct val="100000"/>
-              </a:lnSpc>
-              <a:spcBef>
-                <a:spcPts val="0"/>
-              </a:spcBef>
-              <a:spcAft>
-                <a:spcPts val="0"/>
-              </a:spcAft>
-              <a:buClrTx/>
-              <a:buSzTx/>
-              <a:buFontTx/>
-              <a:buNone/>
-              <a:tabLst/>
-              <a:defRPr/>
-            </a:pPr>
-            <a:r>
-              <a:rPr kumimoji="0" lang="en-US" sz="1400" b="1" i="0" u="none" strike="noStrike" kern="1200" cap="none" spc="0" normalizeH="0" baseline="0" noProof="0" dirty="0">
-                <a:ln>
-                  <a:noFill/>
-                </a:ln>
-                <a:solidFill>
-                  <a:schemeClr val="accent2"/>
-                </a:solidFill>
-                <a:effectLst/>
-                <a:uLnTx/>
-                <a:uFillTx/>
-                <a:latin typeface="+mn-lt"/>
-                <a:ea typeface="+mn-ea"/>
-                <a:cs typeface="+mn-cs"/>
-              </a:rPr>
-              <a:t>Slide - 8</a:t>
-            </a:r>
-          </a:p>
-        </p:txBody>
-      </p:sp>
-      <p:sp>
-        <p:nvSpPr>
-          <p:cNvPr id="4" name="Content Placeholder 2">
-            <a:extLst>
-              <a:ext uri="{FF2B5EF4-FFF2-40B4-BE49-F238E27FC236}">
-                <a16:creationId xmlns:a16="http://schemas.microsoft.com/office/drawing/2014/main" id="{71A5527B-1A92-9FCD-F5D8-1A8423289D66}"/>
-              </a:ext>
-            </a:extLst>
-          </p:cNvPr>
-          <p:cNvSpPr txBox="1">
-            <a:spLocks/>
-          </p:cNvSpPr>
-          <p:nvPr/>
-        </p:nvSpPr>
-        <p:spPr>
-          <a:xfrm>
-            <a:off x="11551428" y="6582157"/>
-            <a:ext cx="640572" cy="275843"/>
-          </a:xfrm>
-          <a:prstGeom prst="rect">
-            <a:avLst/>
-          </a:prstGeom>
-        </p:spPr>
-        <p:txBody>
-          <a:bodyPr vert="horz" lIns="91440" tIns="45720" rIns="91440" bIns="45720" rtlCol="0" anchor="ctr">
-            <a:normAutofit fontScale="40000" lnSpcReduction="20000"/>
-          </a:bodyPr>
-          <a:lstStyle/>
-          <a:p>
-            <a:pPr marL="0" marR="0" lvl="0" indent="0" algn="ctr" defTabSz="457200" rtl="0" eaLnBrk="1" fontAlgn="auto" latinLnBrk="0" hangingPunct="1">
-              <a:lnSpc>
-                <a:spcPct val="100000"/>
-              </a:lnSpc>
-              <a:spcBef>
-                <a:spcPct val="20000"/>
-              </a:spcBef>
-              <a:spcAft>
-                <a:spcPts val="600"/>
-              </a:spcAft>
-              <a:buClr>
-                <a:schemeClr val="accent2"/>
-              </a:buClr>
-              <a:buSzPct val="92000"/>
-              <a:buFont typeface="Wingdings 2" panose="05020102010507070707" pitchFamily="18" charset="2"/>
-              <a:buNone/>
-              <a:tabLst/>
-              <a:defRPr/>
-            </a:pPr>
-            <a:r>
-              <a:rPr kumimoji="0" lang="en-US" sz="3800" b="0" i="0" u="none" strike="noStrike" kern="1200" cap="none" spc="0" normalizeH="0" baseline="0" noProof="0" dirty="0">
-                <a:ln>
-                  <a:noFill/>
-                </a:ln>
-                <a:solidFill>
-                  <a:schemeClr val="bg1">
-                    <a:lumMod val="50000"/>
-                  </a:schemeClr>
-                </a:solidFill>
-                <a:effectLst/>
-                <a:uLnTx/>
-                <a:uFillTx/>
-                <a:latin typeface="+mn-lt"/>
-                <a:ea typeface="+mn-ea"/>
-                <a:cs typeface="+mn-cs"/>
-              </a:rPr>
-              <a:t>SB</a:t>
-            </a:r>
-          </a:p>
-        </p:txBody>
-      </p:sp>
-    </p:spTree>
-    <p:extLst>
-      <p:ext uri="{BB962C8B-B14F-4D97-AF65-F5344CB8AC3E}">
-        <p14:creationId xmlns:p14="http://schemas.microsoft.com/office/powerpoint/2010/main" val="3411684674"/>
-      </p:ext>
-    </p:extLst>
-  </p:cSld>
-  <p:clrMapOvr>
-    <a:masterClrMapping/>
-  </p:clrMapOvr>
-</p:sld>
-</file>
-
-<file path=ppt/slides/slide9.xml><?xml version="1.0" encoding="utf-8"?>
-<p:sld xmlns:a="http://schemas.openxmlformats.org/drawingml/2006/main" xmlns:r="http://schemas.openxmlformats.org/officeDocument/2006/relationships" xmlns:p="http://schemas.openxmlformats.org/presentationml/2006/main">
-  <p:cSld>
-    <p:spTree>
-      <p:nvGrpSpPr>
-        <p:cNvPr id="1" name=""/>
-        <p:cNvGrpSpPr/>
-        <p:nvPr/>
-      </p:nvGrpSpPr>
-      <p:grpSpPr>
-        <a:xfrm>
-          <a:off x="0" y="0"/>
-          <a:ext cx="0" cy="0"/>
-          <a:chOff x="0" y="0"/>
-          <a:chExt cx="0" cy="0"/>
-        </a:xfrm>
-      </p:grpSpPr>
-      <p:sp>
-        <p:nvSpPr>
-          <p:cNvPr id="2" name="Title 1"/>
-          <p:cNvSpPr>
-            <a:spLocks noGrp="1"/>
-          </p:cNvSpPr>
-          <p:nvPr>
-            <p:ph type="title"/>
-          </p:nvPr>
-        </p:nvSpPr>
-        <p:spPr/>
-        <p:txBody>
-          <a:bodyPr/>
-          <a:lstStyle/>
-          <a:p>
-            <a:r>
-              <a:rPr lang="en-GB" dirty="0"/>
-              <a:t>Cost of detection &amp; correction of a fault</a:t>
-            </a:r>
-          </a:p>
-        </p:txBody>
-      </p:sp>
-      <p:graphicFrame>
-        <p:nvGraphicFramePr>
-          <p:cNvPr id="1026" name="Object 4"/>
-          <p:cNvGraphicFramePr>
-            <a:graphicFrameLocks noChangeAspect="1"/>
-          </p:cNvGraphicFramePr>
-          <p:nvPr/>
-        </p:nvGraphicFramePr>
-        <p:xfrm>
-          <a:off x="1038496" y="2022566"/>
-          <a:ext cx="10182497" cy="4587240"/>
-        </p:xfrm>
-        <a:graphic>
-          <a:graphicData uri="http://schemas.openxmlformats.org/presentationml/2006/ole">
-            <mc:AlternateContent xmlns:mc="http://schemas.openxmlformats.org/markup-compatibility/2006">
-              <mc:Choice xmlns:v="urn:schemas-microsoft-com:vml" Requires="v">
-                <p:oleObj name="Photo Editor Photo" r:id="rId2" imgW="4809524" imgH="3734321" progId="">
-                  <p:embed/>
-                </p:oleObj>
-              </mc:Choice>
-              <mc:Fallback>
-                <p:oleObj name="Photo Editor Photo" r:id="rId2" imgW="4809524" imgH="3734321" progId="">
-                  <p:embed/>
-                  <p:pic>
-                    <p:nvPicPr>
-                      <p:cNvPr id="1026" name="Object 4"/>
-                      <p:cNvPicPr>
-                        <a:picLocks noChangeAspect="1" noChangeArrowheads="1"/>
-                      </p:cNvPicPr>
-                      <p:nvPr/>
-                    </p:nvPicPr>
-                    <p:blipFill>
-                      <a:blip r:embed="rId3">
-                        <a:extLst>
-                          <a:ext uri="{28A0092B-C50C-407E-A947-70E740481C1C}">
-                            <a14:useLocalDpi xmlns:a14="http://schemas.microsoft.com/office/drawing/2010/main" val="0"/>
-                          </a:ext>
-                        </a:extLst>
-                      </a:blip>
-                      <a:srcRect/>
-                      <a:stretch>
-                        <a:fillRect/>
-                      </a:stretch>
-                    </p:blipFill>
-                    <p:spPr bwMode="auto">
-                      <a:xfrm>
-                        <a:off x="1038496" y="2022566"/>
-                        <a:ext cx="10182497" cy="4587240"/>
-                      </a:xfrm>
-                      <a:prstGeom prst="rect">
-                        <a:avLst/>
-                      </a:prstGeom>
-                      <a:noFill/>
-                      <a:ln>
-                        <a:noFill/>
-                      </a:ln>
-                      <a:effectLst/>
-                      <a:extLst>
-                        <a:ext uri="{909E8E84-426E-40DD-AFC4-6F175D3DCCD1}">
-                          <a14:hiddenFill xmlns:a14="http://schemas.microsoft.com/office/drawing/2010/main">
-                            <a:solidFill>
-                              <a:schemeClr val="accent1"/>
-                            </a:solidFill>
-                          </a14:hiddenFill>
-                        </a:ext>
-                        <a:ext uri="{91240B29-F687-4F45-9708-019B960494DF}">
-                          <a14:hiddenLine xmlns:a14="http://schemas.microsoft.com/office/drawing/2010/main" w="12700">
-                            <a:solidFill>
-                              <a:schemeClr val="tx1"/>
-                            </a:solidFill>
-                            <a:miter lim="800000"/>
-                            <a:headEnd/>
-                            <a:tailEnd/>
-                          </a14:hiddenLine>
-                        </a:ext>
-                        <a:ext uri="{AF507438-7753-43E0-B8FC-AC1667EBCBE1}">
-                          <a14:hiddenEffects xmlns:a14="http://schemas.microsoft.com/office/drawing/2010/main">
-                            <a:effectLst>
-                              <a:outerShdw dist="35921" dir="2700000" algn="ctr" rotWithShape="0">
-                                <a:schemeClr val="bg2"/>
-                              </a:outerShdw>
-                            </a:effectLst>
-                          </a14:hiddenEffects>
-                        </a:ext>
-                      </a:extLst>
-                    </p:spPr>
-                  </p:pic>
-                </p:oleObj>
-              </mc:Fallback>
-            </mc:AlternateContent>
-          </a:graphicData>
-        </a:graphic>
-      </p:graphicFrame>
-      <p:sp>
-        <p:nvSpPr>
-          <p:cNvPr id="6" name="Slide Number Placeholder 3"/>
-          <p:cNvSpPr txBox="1">
-            <a:spLocks/>
-          </p:cNvSpPr>
-          <p:nvPr/>
-        </p:nvSpPr>
-        <p:spPr>
-          <a:xfrm>
-            <a:off x="11665746" y="587829"/>
-            <a:ext cx="425823" cy="1225165"/>
-          </a:xfrm>
-          <a:prstGeom prst="rect">
-            <a:avLst/>
-          </a:prstGeom>
-        </p:spPr>
-        <p:txBody>
-          <a:bodyPr vert="vert270" lIns="91440" tIns="45720" rIns="91440" bIns="45720" rtlCol="0" anchor="ctr"/>
-          <a:lstStyle/>
-          <a:p>
-            <a:pPr marL="0" marR="0" lvl="0" indent="0" algn="r" defTabSz="457200" rtl="0" eaLnBrk="1" fontAlgn="auto" latinLnBrk="0" hangingPunct="1">
-              <a:lnSpc>
-                <a:spcPct val="100000"/>
-              </a:lnSpc>
-              <a:spcBef>
-                <a:spcPts val="0"/>
-              </a:spcBef>
-              <a:spcAft>
-                <a:spcPts val="0"/>
-              </a:spcAft>
-              <a:buClrTx/>
-              <a:buSzTx/>
-              <a:buFontTx/>
-              <a:buNone/>
-              <a:tabLst/>
-              <a:defRPr/>
-            </a:pPr>
-            <a:r>
-              <a:rPr kumimoji="0" lang="en-US" sz="1400" b="1" i="0" u="none" strike="noStrike" kern="1200" cap="none" spc="0" normalizeH="0" baseline="0" noProof="0" dirty="0">
-                <a:ln>
-                  <a:noFill/>
-                </a:ln>
-                <a:solidFill>
-                  <a:schemeClr val="accent2"/>
-                </a:solidFill>
-                <a:effectLst/>
-                <a:uLnTx/>
-                <a:uFillTx/>
-                <a:latin typeface="+mn-lt"/>
-                <a:ea typeface="+mn-ea"/>
-                <a:cs typeface="+mn-cs"/>
-              </a:rPr>
-              <a:t>Slide - </a:t>
-            </a:r>
-            <a:r>
-              <a:rPr lang="en-US" sz="1400" b="1" dirty="0">
-                <a:solidFill>
-                  <a:schemeClr val="accent2"/>
-                </a:solidFill>
-              </a:rPr>
-              <a:t>9</a:t>
-            </a:r>
-            <a:endParaRPr kumimoji="0" lang="en-US" sz="1400" b="1" i="0" u="none" strike="noStrike" kern="1200" cap="none" spc="0" normalizeH="0" baseline="0" noProof="0" dirty="0">
-              <a:ln>
-                <a:noFill/>
-              </a:ln>
-              <a:solidFill>
-                <a:schemeClr val="accent2"/>
-              </a:solidFill>
-              <a:effectLst/>
-              <a:uLnTx/>
-              <a:uFillTx/>
-              <a:latin typeface="+mn-lt"/>
-              <a:ea typeface="+mn-ea"/>
-              <a:cs typeface="+mn-cs"/>
-            </a:endParaRPr>
-          </a:p>
-        </p:txBody>
-      </p:sp>
-      <p:sp>
-        <p:nvSpPr>
-          <p:cNvPr id="7" name="Content Placeholder 2">
-            <a:extLst>
-              <a:ext uri="{FF2B5EF4-FFF2-40B4-BE49-F238E27FC236}">
-                <a16:creationId xmlns:a16="http://schemas.microsoft.com/office/drawing/2014/main" id="{BA1A92BF-C439-B5DA-6DA8-60F0A561BFD3}"/>
               </a:ext>
             </a:extLst>
           </p:cNvPr>
